--- a/Nexus-Presentation.pptx
+++ b/Nexus-Presentation.pptx
@@ -104,6 +104,11 @@
       </a:defRPr>
     </a:lvl9pPr>
   </p:defaultTextStyle>
+  <p:extLst>
+    <p:ext uri="{EFAFB233-063F-42B5-8137-9DF3F51BA10A}">
+      <p15:sldGuideLst xmlns:p15="http://schemas.microsoft.com/office/powerpoint/2012/main"/>
+    </p:ext>
+  </p:extLst>
 </p:presentation>
 </file>
 
@@ -129,7 +134,7 @@
           <p:cNvPr id="2" name="Title 1">
             <a:extLst>
               <a:ext uri="{FF2B5EF4-FFF2-40B4-BE49-F238E27FC236}">
-                <a16:creationId xmlns:a16="http://schemas.microsoft.com/office/drawing/2014/main" id="{6E9577E7-CCBC-48F3-93AE-A6913565938F}"/>
+                <a16:creationId xmlns:a16="http://schemas.microsoft.com/office/drawing/2014/main" xmlns="" id="{6E9577E7-CCBC-48F3-93AE-A6913565938F}"/>
               </a:ext>
             </a:extLst>
           </p:cNvPr>
@@ -167,7 +172,7 @@
           <p:cNvPr id="3" name="Subtitle 2">
             <a:extLst>
               <a:ext uri="{FF2B5EF4-FFF2-40B4-BE49-F238E27FC236}">
-                <a16:creationId xmlns:a16="http://schemas.microsoft.com/office/drawing/2014/main" id="{DE0D06B3-217D-46ED-8B5E-ED111EF7047D}"/>
+                <a16:creationId xmlns:a16="http://schemas.microsoft.com/office/drawing/2014/main" xmlns="" id="{DE0D06B3-217D-46ED-8B5E-ED111EF7047D}"/>
               </a:ext>
             </a:extLst>
           </p:cNvPr>
@@ -238,7 +243,7 @@
           <p:cNvPr id="4" name="Date Placeholder 3">
             <a:extLst>
               <a:ext uri="{FF2B5EF4-FFF2-40B4-BE49-F238E27FC236}">
-                <a16:creationId xmlns:a16="http://schemas.microsoft.com/office/drawing/2014/main" id="{92278A9A-B95C-4108-A479-38C98024739B}"/>
+                <a16:creationId xmlns:a16="http://schemas.microsoft.com/office/drawing/2014/main" xmlns="" id="{92278A9A-B95C-4108-A479-38C98024739B}"/>
               </a:ext>
             </a:extLst>
           </p:cNvPr>
@@ -267,7 +272,7 @@
           <p:cNvPr id="5" name="Footer Placeholder 4">
             <a:extLst>
               <a:ext uri="{FF2B5EF4-FFF2-40B4-BE49-F238E27FC236}">
-                <a16:creationId xmlns:a16="http://schemas.microsoft.com/office/drawing/2014/main" id="{60373891-BCDB-41D1-BF42-E62CB79071B3}"/>
+                <a16:creationId xmlns:a16="http://schemas.microsoft.com/office/drawing/2014/main" xmlns="" id="{60373891-BCDB-41D1-BF42-E62CB79071B3}"/>
               </a:ext>
             </a:extLst>
           </p:cNvPr>
@@ -292,7 +297,7 @@
           <p:cNvPr id="6" name="Slide Number Placeholder 5">
             <a:extLst>
               <a:ext uri="{FF2B5EF4-FFF2-40B4-BE49-F238E27FC236}">
-                <a16:creationId xmlns:a16="http://schemas.microsoft.com/office/drawing/2014/main" id="{45DBDC65-EEC1-4F0E-8800-F625218F2CC2}"/>
+                <a16:creationId xmlns:a16="http://schemas.microsoft.com/office/drawing/2014/main" xmlns="" id="{45DBDC65-EEC1-4F0E-8800-F625218F2CC2}"/>
               </a:ext>
             </a:extLst>
           </p:cNvPr>
@@ -351,7 +356,7 @@
           <p:cNvPr id="2" name="Title 1">
             <a:extLst>
               <a:ext uri="{FF2B5EF4-FFF2-40B4-BE49-F238E27FC236}">
-                <a16:creationId xmlns:a16="http://schemas.microsoft.com/office/drawing/2014/main" id="{69B92875-CE10-461B-8CA4-C61DADFCAAA1}"/>
+                <a16:creationId xmlns:a16="http://schemas.microsoft.com/office/drawing/2014/main" xmlns="" id="{69B92875-CE10-461B-8CA4-C61DADFCAAA1}"/>
               </a:ext>
             </a:extLst>
           </p:cNvPr>
@@ -380,7 +385,7 @@
           <p:cNvPr id="3" name="Vertical Text Placeholder 2">
             <a:extLst>
               <a:ext uri="{FF2B5EF4-FFF2-40B4-BE49-F238E27FC236}">
-                <a16:creationId xmlns:a16="http://schemas.microsoft.com/office/drawing/2014/main" id="{DF3823F2-8905-4D02-AB74-D0B83064D71E}"/>
+                <a16:creationId xmlns:a16="http://schemas.microsoft.com/office/drawing/2014/main" xmlns="" id="{DF3823F2-8905-4D02-AB74-D0B83064D71E}"/>
               </a:ext>
             </a:extLst>
           </p:cNvPr>
@@ -438,7 +443,7 @@
           <p:cNvPr id="4" name="Date Placeholder 3">
             <a:extLst>
               <a:ext uri="{FF2B5EF4-FFF2-40B4-BE49-F238E27FC236}">
-                <a16:creationId xmlns:a16="http://schemas.microsoft.com/office/drawing/2014/main" id="{46826CB6-FFDC-4323-9BED-B0AD6839D846}"/>
+                <a16:creationId xmlns:a16="http://schemas.microsoft.com/office/drawing/2014/main" xmlns="" id="{46826CB6-FFDC-4323-9BED-B0AD6839D846}"/>
               </a:ext>
             </a:extLst>
           </p:cNvPr>
@@ -467,7 +472,7 @@
           <p:cNvPr id="5" name="Footer Placeholder 4">
             <a:extLst>
               <a:ext uri="{FF2B5EF4-FFF2-40B4-BE49-F238E27FC236}">
-                <a16:creationId xmlns:a16="http://schemas.microsoft.com/office/drawing/2014/main" id="{D38DB6D0-3577-47A0-831C-035BFA43C7B2}"/>
+                <a16:creationId xmlns:a16="http://schemas.microsoft.com/office/drawing/2014/main" xmlns="" id="{D38DB6D0-3577-47A0-831C-035BFA43C7B2}"/>
               </a:ext>
             </a:extLst>
           </p:cNvPr>
@@ -492,7 +497,7 @@
           <p:cNvPr id="6" name="Slide Number Placeholder 5">
             <a:extLst>
               <a:ext uri="{FF2B5EF4-FFF2-40B4-BE49-F238E27FC236}">
-                <a16:creationId xmlns:a16="http://schemas.microsoft.com/office/drawing/2014/main" id="{71EC1997-901B-403E-B957-0F4703361663}"/>
+                <a16:creationId xmlns:a16="http://schemas.microsoft.com/office/drawing/2014/main" xmlns="" id="{71EC1997-901B-403E-B957-0F4703361663}"/>
               </a:ext>
             </a:extLst>
           </p:cNvPr>
@@ -551,7 +556,7 @@
           <p:cNvPr id="2" name="Vertical Title 1">
             <a:extLst>
               <a:ext uri="{FF2B5EF4-FFF2-40B4-BE49-F238E27FC236}">
-                <a16:creationId xmlns:a16="http://schemas.microsoft.com/office/drawing/2014/main" id="{6569F883-5A15-47FB-B3D0-27447B56DDBA}"/>
+                <a16:creationId xmlns:a16="http://schemas.microsoft.com/office/drawing/2014/main" xmlns="" id="{6569F883-5A15-47FB-B3D0-27447B56DDBA}"/>
               </a:ext>
             </a:extLst>
           </p:cNvPr>
@@ -585,7 +590,7 @@
           <p:cNvPr id="3" name="Vertical Text Placeholder 2">
             <a:extLst>
               <a:ext uri="{FF2B5EF4-FFF2-40B4-BE49-F238E27FC236}">
-                <a16:creationId xmlns:a16="http://schemas.microsoft.com/office/drawing/2014/main" id="{4CB54348-F89F-4837-BD2D-4AEA99400A8D}"/>
+                <a16:creationId xmlns:a16="http://schemas.microsoft.com/office/drawing/2014/main" xmlns="" id="{4CB54348-F89F-4837-BD2D-4AEA99400A8D}"/>
               </a:ext>
             </a:extLst>
           </p:cNvPr>
@@ -648,7 +653,7 @@
           <p:cNvPr id="4" name="Date Placeholder 3">
             <a:extLst>
               <a:ext uri="{FF2B5EF4-FFF2-40B4-BE49-F238E27FC236}">
-                <a16:creationId xmlns:a16="http://schemas.microsoft.com/office/drawing/2014/main" id="{955FC657-513C-4C8A-AF21-508F8375BA77}"/>
+                <a16:creationId xmlns:a16="http://schemas.microsoft.com/office/drawing/2014/main" xmlns="" id="{955FC657-513C-4C8A-AF21-508F8375BA77}"/>
               </a:ext>
             </a:extLst>
           </p:cNvPr>
@@ -677,7 +682,7 @@
           <p:cNvPr id="5" name="Footer Placeholder 4">
             <a:extLst>
               <a:ext uri="{FF2B5EF4-FFF2-40B4-BE49-F238E27FC236}">
-                <a16:creationId xmlns:a16="http://schemas.microsoft.com/office/drawing/2014/main" id="{90902EF0-6F82-45B4-8DC4-D1E6F9096556}"/>
+                <a16:creationId xmlns:a16="http://schemas.microsoft.com/office/drawing/2014/main" xmlns="" id="{90902EF0-6F82-45B4-8DC4-D1E6F9096556}"/>
               </a:ext>
             </a:extLst>
           </p:cNvPr>
@@ -702,7 +707,7 @@
           <p:cNvPr id="6" name="Slide Number Placeholder 5">
             <a:extLst>
               <a:ext uri="{FF2B5EF4-FFF2-40B4-BE49-F238E27FC236}">
-                <a16:creationId xmlns:a16="http://schemas.microsoft.com/office/drawing/2014/main" id="{D5AC985B-CA64-4429-8C3F-CA6F6E9A996F}"/>
+                <a16:creationId xmlns:a16="http://schemas.microsoft.com/office/drawing/2014/main" xmlns="" id="{D5AC985B-CA64-4429-8C3F-CA6F6E9A996F}"/>
               </a:ext>
             </a:extLst>
           </p:cNvPr>
@@ -761,7 +766,7 @@
           <p:cNvPr id="2" name="Title 1">
             <a:extLst>
               <a:ext uri="{FF2B5EF4-FFF2-40B4-BE49-F238E27FC236}">
-                <a16:creationId xmlns:a16="http://schemas.microsoft.com/office/drawing/2014/main" id="{76385098-2503-42C9-84BD-CA3B94ED3914}"/>
+                <a16:creationId xmlns:a16="http://schemas.microsoft.com/office/drawing/2014/main" xmlns="" id="{76385098-2503-42C9-84BD-CA3B94ED3914}"/>
               </a:ext>
             </a:extLst>
           </p:cNvPr>
@@ -790,7 +795,7 @@
           <p:cNvPr id="3" name="Content Placeholder 2">
             <a:extLst>
               <a:ext uri="{FF2B5EF4-FFF2-40B4-BE49-F238E27FC236}">
-                <a16:creationId xmlns:a16="http://schemas.microsoft.com/office/drawing/2014/main" id="{AA46A590-2593-4601-9595-E08A5DA83279}"/>
+                <a16:creationId xmlns:a16="http://schemas.microsoft.com/office/drawing/2014/main" xmlns="" id="{AA46A590-2593-4601-9595-E08A5DA83279}"/>
               </a:ext>
             </a:extLst>
           </p:cNvPr>
@@ -848,7 +853,7 @@
           <p:cNvPr id="4" name="Date Placeholder 3">
             <a:extLst>
               <a:ext uri="{FF2B5EF4-FFF2-40B4-BE49-F238E27FC236}">
-                <a16:creationId xmlns:a16="http://schemas.microsoft.com/office/drawing/2014/main" id="{DA3F5AD4-02DD-4078-AA46-F46A4D2E3A5F}"/>
+                <a16:creationId xmlns:a16="http://schemas.microsoft.com/office/drawing/2014/main" xmlns="" id="{DA3F5AD4-02DD-4078-AA46-F46A4D2E3A5F}"/>
               </a:ext>
             </a:extLst>
           </p:cNvPr>
@@ -877,7 +882,7 @@
           <p:cNvPr id="5" name="Footer Placeholder 4">
             <a:extLst>
               <a:ext uri="{FF2B5EF4-FFF2-40B4-BE49-F238E27FC236}">
-                <a16:creationId xmlns:a16="http://schemas.microsoft.com/office/drawing/2014/main" id="{43CBD8B0-8E53-4BC2-8858-8E67CB9FBEB6}"/>
+                <a16:creationId xmlns:a16="http://schemas.microsoft.com/office/drawing/2014/main" xmlns="" id="{43CBD8B0-8E53-4BC2-8858-8E67CB9FBEB6}"/>
               </a:ext>
             </a:extLst>
           </p:cNvPr>
@@ -902,7 +907,7 @@
           <p:cNvPr id="6" name="Slide Number Placeholder 5">
             <a:extLst>
               <a:ext uri="{FF2B5EF4-FFF2-40B4-BE49-F238E27FC236}">
-                <a16:creationId xmlns:a16="http://schemas.microsoft.com/office/drawing/2014/main" id="{D7CFE7EB-E5DA-4934-9317-B7F981C36831}"/>
+                <a16:creationId xmlns:a16="http://schemas.microsoft.com/office/drawing/2014/main" xmlns="" id="{D7CFE7EB-E5DA-4934-9317-B7F981C36831}"/>
               </a:ext>
             </a:extLst>
           </p:cNvPr>
@@ -961,7 +966,7 @@
           <p:cNvPr id="2" name="Title 1">
             <a:extLst>
               <a:ext uri="{FF2B5EF4-FFF2-40B4-BE49-F238E27FC236}">
-                <a16:creationId xmlns:a16="http://schemas.microsoft.com/office/drawing/2014/main" id="{B5C2A75E-9B48-4127-9DBA-0C3F20E2FF7F}"/>
+                <a16:creationId xmlns:a16="http://schemas.microsoft.com/office/drawing/2014/main" xmlns="" id="{B5C2A75E-9B48-4127-9DBA-0C3F20E2FF7F}"/>
               </a:ext>
             </a:extLst>
           </p:cNvPr>
@@ -999,7 +1004,7 @@
           <p:cNvPr id="3" name="Text Placeholder 2">
             <a:extLst>
               <a:ext uri="{FF2B5EF4-FFF2-40B4-BE49-F238E27FC236}">
-                <a16:creationId xmlns:a16="http://schemas.microsoft.com/office/drawing/2014/main" id="{5CF1BBC8-527C-442C-A1F8-B5084897A3A1}"/>
+                <a16:creationId xmlns:a16="http://schemas.microsoft.com/office/drawing/2014/main" xmlns="" id="{5CF1BBC8-527C-442C-A1F8-B5084897A3A1}"/>
               </a:ext>
             </a:extLst>
           </p:cNvPr>
@@ -1124,7 +1129,7 @@
           <p:cNvPr id="4" name="Date Placeholder 3">
             <a:extLst>
               <a:ext uri="{FF2B5EF4-FFF2-40B4-BE49-F238E27FC236}">
-                <a16:creationId xmlns:a16="http://schemas.microsoft.com/office/drawing/2014/main" id="{E4B85546-2542-4BE3-9B6A-2E638841801F}"/>
+                <a16:creationId xmlns:a16="http://schemas.microsoft.com/office/drawing/2014/main" xmlns="" id="{E4B85546-2542-4BE3-9B6A-2E638841801F}"/>
               </a:ext>
             </a:extLst>
           </p:cNvPr>
@@ -1153,7 +1158,7 @@
           <p:cNvPr id="5" name="Footer Placeholder 4">
             <a:extLst>
               <a:ext uri="{FF2B5EF4-FFF2-40B4-BE49-F238E27FC236}">
-                <a16:creationId xmlns:a16="http://schemas.microsoft.com/office/drawing/2014/main" id="{19D2BA20-C3C0-4AD2-A721-035A6406DCC0}"/>
+                <a16:creationId xmlns:a16="http://schemas.microsoft.com/office/drawing/2014/main" xmlns="" id="{19D2BA20-C3C0-4AD2-A721-035A6406DCC0}"/>
               </a:ext>
             </a:extLst>
           </p:cNvPr>
@@ -1178,7 +1183,7 @@
           <p:cNvPr id="6" name="Slide Number Placeholder 5">
             <a:extLst>
               <a:ext uri="{FF2B5EF4-FFF2-40B4-BE49-F238E27FC236}">
-                <a16:creationId xmlns:a16="http://schemas.microsoft.com/office/drawing/2014/main" id="{E2567E00-0D47-4437-BADA-19A85B6840CE}"/>
+                <a16:creationId xmlns:a16="http://schemas.microsoft.com/office/drawing/2014/main" xmlns="" id="{E2567E00-0D47-4437-BADA-19A85B6840CE}"/>
               </a:ext>
             </a:extLst>
           </p:cNvPr>
@@ -1237,7 +1242,7 @@
           <p:cNvPr id="2" name="Title 1">
             <a:extLst>
               <a:ext uri="{FF2B5EF4-FFF2-40B4-BE49-F238E27FC236}">
-                <a16:creationId xmlns:a16="http://schemas.microsoft.com/office/drawing/2014/main" id="{35EA0816-F8A0-4FC3-AF1E-BBA7577EB68B}"/>
+                <a16:creationId xmlns:a16="http://schemas.microsoft.com/office/drawing/2014/main" xmlns="" id="{35EA0816-F8A0-4FC3-AF1E-BBA7577EB68B}"/>
               </a:ext>
             </a:extLst>
           </p:cNvPr>
@@ -1266,7 +1271,7 @@
           <p:cNvPr id="3" name="Content Placeholder 2">
             <a:extLst>
               <a:ext uri="{FF2B5EF4-FFF2-40B4-BE49-F238E27FC236}">
-                <a16:creationId xmlns:a16="http://schemas.microsoft.com/office/drawing/2014/main" id="{B68D3332-2771-44F5-AACB-302F356EBDB5}"/>
+                <a16:creationId xmlns:a16="http://schemas.microsoft.com/office/drawing/2014/main" xmlns="" id="{B68D3332-2771-44F5-AACB-302F356EBDB5}"/>
               </a:ext>
             </a:extLst>
           </p:cNvPr>
@@ -1329,7 +1334,7 @@
           <p:cNvPr id="4" name="Content Placeholder 3">
             <a:extLst>
               <a:ext uri="{FF2B5EF4-FFF2-40B4-BE49-F238E27FC236}">
-                <a16:creationId xmlns:a16="http://schemas.microsoft.com/office/drawing/2014/main" id="{BB6598BA-6924-4C5C-9953-8B206540B78C}"/>
+                <a16:creationId xmlns:a16="http://schemas.microsoft.com/office/drawing/2014/main" xmlns="" id="{BB6598BA-6924-4C5C-9953-8B206540B78C}"/>
               </a:ext>
             </a:extLst>
           </p:cNvPr>
@@ -1392,7 +1397,7 @@
           <p:cNvPr id="5" name="Date Placeholder 4">
             <a:extLst>
               <a:ext uri="{FF2B5EF4-FFF2-40B4-BE49-F238E27FC236}">
-                <a16:creationId xmlns:a16="http://schemas.microsoft.com/office/drawing/2014/main" id="{3AE88C9F-FB9E-4FD7-85F8-60F0514C25F5}"/>
+                <a16:creationId xmlns:a16="http://schemas.microsoft.com/office/drawing/2014/main" xmlns="" id="{3AE88C9F-FB9E-4FD7-85F8-60F0514C25F5}"/>
               </a:ext>
             </a:extLst>
           </p:cNvPr>
@@ -1421,7 +1426,7 @@
           <p:cNvPr id="6" name="Footer Placeholder 5">
             <a:extLst>
               <a:ext uri="{FF2B5EF4-FFF2-40B4-BE49-F238E27FC236}">
-                <a16:creationId xmlns:a16="http://schemas.microsoft.com/office/drawing/2014/main" id="{16C94732-C14E-44B5-8FC4-AE6D6145C551}"/>
+                <a16:creationId xmlns:a16="http://schemas.microsoft.com/office/drawing/2014/main" xmlns="" id="{16C94732-C14E-44B5-8FC4-AE6D6145C551}"/>
               </a:ext>
             </a:extLst>
           </p:cNvPr>
@@ -1446,7 +1451,7 @@
           <p:cNvPr id="7" name="Slide Number Placeholder 6">
             <a:extLst>
               <a:ext uri="{FF2B5EF4-FFF2-40B4-BE49-F238E27FC236}">
-                <a16:creationId xmlns:a16="http://schemas.microsoft.com/office/drawing/2014/main" id="{6CD6A370-E062-4553-96C4-7E93F92287B2}"/>
+                <a16:creationId xmlns:a16="http://schemas.microsoft.com/office/drawing/2014/main" xmlns="" id="{6CD6A370-E062-4553-96C4-7E93F92287B2}"/>
               </a:ext>
             </a:extLst>
           </p:cNvPr>
@@ -1505,7 +1510,7 @@
           <p:cNvPr id="2" name="Title 1">
             <a:extLst>
               <a:ext uri="{FF2B5EF4-FFF2-40B4-BE49-F238E27FC236}">
-                <a16:creationId xmlns:a16="http://schemas.microsoft.com/office/drawing/2014/main" id="{E1624867-BE6D-4110-AA46-ED32656C4CE5}"/>
+                <a16:creationId xmlns:a16="http://schemas.microsoft.com/office/drawing/2014/main" xmlns="" id="{E1624867-BE6D-4110-AA46-ED32656C4CE5}"/>
               </a:ext>
             </a:extLst>
           </p:cNvPr>
@@ -1539,7 +1544,7 @@
           <p:cNvPr id="3" name="Text Placeholder 2">
             <a:extLst>
               <a:ext uri="{FF2B5EF4-FFF2-40B4-BE49-F238E27FC236}">
-                <a16:creationId xmlns:a16="http://schemas.microsoft.com/office/drawing/2014/main" id="{A7878CA2-959E-47B6-81EA-4E62861BEB35}"/>
+                <a16:creationId xmlns:a16="http://schemas.microsoft.com/office/drawing/2014/main" xmlns="" id="{A7878CA2-959E-47B6-81EA-4E62861BEB35}"/>
               </a:ext>
             </a:extLst>
           </p:cNvPr>
@@ -1610,7 +1615,7 @@
           <p:cNvPr id="4" name="Content Placeholder 3">
             <a:extLst>
               <a:ext uri="{FF2B5EF4-FFF2-40B4-BE49-F238E27FC236}">
-                <a16:creationId xmlns:a16="http://schemas.microsoft.com/office/drawing/2014/main" id="{D26362D2-E06D-47E1-8ACD-DB53947F530A}"/>
+                <a16:creationId xmlns:a16="http://schemas.microsoft.com/office/drawing/2014/main" xmlns="" id="{D26362D2-E06D-47E1-8ACD-DB53947F530A}"/>
               </a:ext>
             </a:extLst>
           </p:cNvPr>
@@ -1673,7 +1678,7 @@
           <p:cNvPr id="5" name="Text Placeholder 4">
             <a:extLst>
               <a:ext uri="{FF2B5EF4-FFF2-40B4-BE49-F238E27FC236}">
-                <a16:creationId xmlns:a16="http://schemas.microsoft.com/office/drawing/2014/main" id="{A0B3324F-FA89-44F8-8748-E5271D4C20C7}"/>
+                <a16:creationId xmlns:a16="http://schemas.microsoft.com/office/drawing/2014/main" xmlns="" id="{A0B3324F-FA89-44F8-8748-E5271D4C20C7}"/>
               </a:ext>
             </a:extLst>
           </p:cNvPr>
@@ -1744,7 +1749,7 @@
           <p:cNvPr id="6" name="Content Placeholder 5">
             <a:extLst>
               <a:ext uri="{FF2B5EF4-FFF2-40B4-BE49-F238E27FC236}">
-                <a16:creationId xmlns:a16="http://schemas.microsoft.com/office/drawing/2014/main" id="{57087654-73E6-4B09-B8B2-F19B86034749}"/>
+                <a16:creationId xmlns:a16="http://schemas.microsoft.com/office/drawing/2014/main" xmlns="" id="{57087654-73E6-4B09-B8B2-F19B86034749}"/>
               </a:ext>
             </a:extLst>
           </p:cNvPr>
@@ -1807,7 +1812,7 @@
           <p:cNvPr id="7" name="Date Placeholder 6">
             <a:extLst>
               <a:ext uri="{FF2B5EF4-FFF2-40B4-BE49-F238E27FC236}">
-                <a16:creationId xmlns:a16="http://schemas.microsoft.com/office/drawing/2014/main" id="{2FF0CB29-1106-4596-9AC4-44C09A3B70DD}"/>
+                <a16:creationId xmlns:a16="http://schemas.microsoft.com/office/drawing/2014/main" xmlns="" id="{2FF0CB29-1106-4596-9AC4-44C09A3B70DD}"/>
               </a:ext>
             </a:extLst>
           </p:cNvPr>
@@ -1836,7 +1841,7 @@
           <p:cNvPr id="8" name="Footer Placeholder 7">
             <a:extLst>
               <a:ext uri="{FF2B5EF4-FFF2-40B4-BE49-F238E27FC236}">
-                <a16:creationId xmlns:a16="http://schemas.microsoft.com/office/drawing/2014/main" id="{106E9475-501E-401D-9AFA-26DD1EEC172E}"/>
+                <a16:creationId xmlns:a16="http://schemas.microsoft.com/office/drawing/2014/main" xmlns="" id="{106E9475-501E-401D-9AFA-26DD1EEC172E}"/>
               </a:ext>
             </a:extLst>
           </p:cNvPr>
@@ -1861,7 +1866,7 @@
           <p:cNvPr id="9" name="Slide Number Placeholder 8">
             <a:extLst>
               <a:ext uri="{FF2B5EF4-FFF2-40B4-BE49-F238E27FC236}">
-                <a16:creationId xmlns:a16="http://schemas.microsoft.com/office/drawing/2014/main" id="{F8C9A2A2-90AD-4ACA-BA38-D55E8E55074E}"/>
+                <a16:creationId xmlns:a16="http://schemas.microsoft.com/office/drawing/2014/main" xmlns="" id="{F8C9A2A2-90AD-4ACA-BA38-D55E8E55074E}"/>
               </a:ext>
             </a:extLst>
           </p:cNvPr>
@@ -1920,7 +1925,7 @@
           <p:cNvPr id="2" name="Title 1">
             <a:extLst>
               <a:ext uri="{FF2B5EF4-FFF2-40B4-BE49-F238E27FC236}">
-                <a16:creationId xmlns:a16="http://schemas.microsoft.com/office/drawing/2014/main" id="{47D01DEA-D2EE-4A3A-8AE3-17EB4B7E570D}"/>
+                <a16:creationId xmlns:a16="http://schemas.microsoft.com/office/drawing/2014/main" xmlns="" id="{47D01DEA-D2EE-4A3A-8AE3-17EB4B7E570D}"/>
               </a:ext>
             </a:extLst>
           </p:cNvPr>
@@ -1949,7 +1954,7 @@
           <p:cNvPr id="3" name="Date Placeholder 2">
             <a:extLst>
               <a:ext uri="{FF2B5EF4-FFF2-40B4-BE49-F238E27FC236}">
-                <a16:creationId xmlns:a16="http://schemas.microsoft.com/office/drawing/2014/main" id="{E8987B5C-1BA0-41F7-B0B3-1DA923400AB2}"/>
+                <a16:creationId xmlns:a16="http://schemas.microsoft.com/office/drawing/2014/main" xmlns="" id="{E8987B5C-1BA0-41F7-B0B3-1DA923400AB2}"/>
               </a:ext>
             </a:extLst>
           </p:cNvPr>
@@ -1978,7 +1983,7 @@
           <p:cNvPr id="4" name="Footer Placeholder 3">
             <a:extLst>
               <a:ext uri="{FF2B5EF4-FFF2-40B4-BE49-F238E27FC236}">
-                <a16:creationId xmlns:a16="http://schemas.microsoft.com/office/drawing/2014/main" id="{A10D9D01-C46F-4C06-B06F-8E4EBA8EA094}"/>
+                <a16:creationId xmlns:a16="http://schemas.microsoft.com/office/drawing/2014/main" xmlns="" id="{A10D9D01-C46F-4C06-B06F-8E4EBA8EA094}"/>
               </a:ext>
             </a:extLst>
           </p:cNvPr>
@@ -2003,7 +2008,7 @@
           <p:cNvPr id="5" name="Slide Number Placeholder 4">
             <a:extLst>
               <a:ext uri="{FF2B5EF4-FFF2-40B4-BE49-F238E27FC236}">
-                <a16:creationId xmlns:a16="http://schemas.microsoft.com/office/drawing/2014/main" id="{40EDB7EE-8602-4FEC-8C4C-889B2D7C3A68}"/>
+                <a16:creationId xmlns:a16="http://schemas.microsoft.com/office/drawing/2014/main" xmlns="" id="{40EDB7EE-8602-4FEC-8C4C-889B2D7C3A68}"/>
               </a:ext>
             </a:extLst>
           </p:cNvPr>
@@ -2062,7 +2067,7 @@
           <p:cNvPr id="2" name="Date Placeholder 1">
             <a:extLst>
               <a:ext uri="{FF2B5EF4-FFF2-40B4-BE49-F238E27FC236}">
-                <a16:creationId xmlns:a16="http://schemas.microsoft.com/office/drawing/2014/main" id="{D1D7B75E-28DA-4F5A-AC0C-31C54AB25B58}"/>
+                <a16:creationId xmlns:a16="http://schemas.microsoft.com/office/drawing/2014/main" xmlns="" id="{D1D7B75E-28DA-4F5A-AC0C-31C54AB25B58}"/>
               </a:ext>
             </a:extLst>
           </p:cNvPr>
@@ -2091,7 +2096,7 @@
           <p:cNvPr id="3" name="Footer Placeholder 2">
             <a:extLst>
               <a:ext uri="{FF2B5EF4-FFF2-40B4-BE49-F238E27FC236}">
-                <a16:creationId xmlns:a16="http://schemas.microsoft.com/office/drawing/2014/main" id="{8B00C954-D83C-4EB4-8949-043B549540BC}"/>
+                <a16:creationId xmlns:a16="http://schemas.microsoft.com/office/drawing/2014/main" xmlns="" id="{8B00C954-D83C-4EB4-8949-043B549540BC}"/>
               </a:ext>
             </a:extLst>
           </p:cNvPr>
@@ -2116,7 +2121,7 @@
           <p:cNvPr id="4" name="Slide Number Placeholder 3">
             <a:extLst>
               <a:ext uri="{FF2B5EF4-FFF2-40B4-BE49-F238E27FC236}">
-                <a16:creationId xmlns:a16="http://schemas.microsoft.com/office/drawing/2014/main" id="{1F2474D7-51E7-4A69-A512-F540687D9FDF}"/>
+                <a16:creationId xmlns:a16="http://schemas.microsoft.com/office/drawing/2014/main" xmlns="" id="{1F2474D7-51E7-4A69-A512-F540687D9FDF}"/>
               </a:ext>
             </a:extLst>
           </p:cNvPr>
@@ -2175,7 +2180,7 @@
           <p:cNvPr id="2" name="Title 1">
             <a:extLst>
               <a:ext uri="{FF2B5EF4-FFF2-40B4-BE49-F238E27FC236}">
-                <a16:creationId xmlns:a16="http://schemas.microsoft.com/office/drawing/2014/main" id="{0651F23E-9799-40A7-89AF-483C4AF3DAC2}"/>
+                <a16:creationId xmlns:a16="http://schemas.microsoft.com/office/drawing/2014/main" xmlns="" id="{0651F23E-9799-40A7-89AF-483C4AF3DAC2}"/>
               </a:ext>
             </a:extLst>
           </p:cNvPr>
@@ -2213,7 +2218,7 @@
           <p:cNvPr id="3" name="Content Placeholder 2">
             <a:extLst>
               <a:ext uri="{FF2B5EF4-FFF2-40B4-BE49-F238E27FC236}">
-                <a16:creationId xmlns:a16="http://schemas.microsoft.com/office/drawing/2014/main" id="{1645D4E4-04D1-4A73-AC53-93CF162E0C66}"/>
+                <a16:creationId xmlns:a16="http://schemas.microsoft.com/office/drawing/2014/main" xmlns="" id="{1645D4E4-04D1-4A73-AC53-93CF162E0C66}"/>
               </a:ext>
             </a:extLst>
           </p:cNvPr>
@@ -2304,7 +2309,7 @@
           <p:cNvPr id="4" name="Text Placeholder 3">
             <a:extLst>
               <a:ext uri="{FF2B5EF4-FFF2-40B4-BE49-F238E27FC236}">
-                <a16:creationId xmlns:a16="http://schemas.microsoft.com/office/drawing/2014/main" id="{77F63583-45A4-48C4-9E3F-89E6A597984A}"/>
+                <a16:creationId xmlns:a16="http://schemas.microsoft.com/office/drawing/2014/main" xmlns="" id="{77F63583-45A4-48C4-9E3F-89E6A597984A}"/>
               </a:ext>
             </a:extLst>
           </p:cNvPr>
@@ -2375,7 +2380,7 @@
           <p:cNvPr id="5" name="Date Placeholder 4">
             <a:extLst>
               <a:ext uri="{FF2B5EF4-FFF2-40B4-BE49-F238E27FC236}">
-                <a16:creationId xmlns:a16="http://schemas.microsoft.com/office/drawing/2014/main" id="{EEC73C77-A66D-4226-9D55-32A30965E62D}"/>
+                <a16:creationId xmlns:a16="http://schemas.microsoft.com/office/drawing/2014/main" xmlns="" id="{EEC73C77-A66D-4226-9D55-32A30965E62D}"/>
               </a:ext>
             </a:extLst>
           </p:cNvPr>
@@ -2404,7 +2409,7 @@
           <p:cNvPr id="6" name="Footer Placeholder 5">
             <a:extLst>
               <a:ext uri="{FF2B5EF4-FFF2-40B4-BE49-F238E27FC236}">
-                <a16:creationId xmlns:a16="http://schemas.microsoft.com/office/drawing/2014/main" id="{AFD0537D-4F11-429F-801B-1653492AD8A9}"/>
+                <a16:creationId xmlns:a16="http://schemas.microsoft.com/office/drawing/2014/main" xmlns="" id="{AFD0537D-4F11-429F-801B-1653492AD8A9}"/>
               </a:ext>
             </a:extLst>
           </p:cNvPr>
@@ -2429,7 +2434,7 @@
           <p:cNvPr id="7" name="Slide Number Placeholder 6">
             <a:extLst>
               <a:ext uri="{FF2B5EF4-FFF2-40B4-BE49-F238E27FC236}">
-                <a16:creationId xmlns:a16="http://schemas.microsoft.com/office/drawing/2014/main" id="{0D835555-7AFC-4CC4-B174-AC050AE2AA8B}"/>
+                <a16:creationId xmlns:a16="http://schemas.microsoft.com/office/drawing/2014/main" xmlns="" id="{0D835555-7AFC-4CC4-B174-AC050AE2AA8B}"/>
               </a:ext>
             </a:extLst>
           </p:cNvPr>
@@ -2488,7 +2493,7 @@
           <p:cNvPr id="2" name="Title 1">
             <a:extLst>
               <a:ext uri="{FF2B5EF4-FFF2-40B4-BE49-F238E27FC236}">
-                <a16:creationId xmlns:a16="http://schemas.microsoft.com/office/drawing/2014/main" id="{35B1513A-90F0-46EC-BECD-C6BA9D70EBD0}"/>
+                <a16:creationId xmlns:a16="http://schemas.microsoft.com/office/drawing/2014/main" xmlns="" id="{35B1513A-90F0-46EC-BECD-C6BA9D70EBD0}"/>
               </a:ext>
             </a:extLst>
           </p:cNvPr>
@@ -2526,7 +2531,7 @@
           <p:cNvPr id="3" name="Picture Placeholder 2">
             <a:extLst>
               <a:ext uri="{FF2B5EF4-FFF2-40B4-BE49-F238E27FC236}">
-                <a16:creationId xmlns:a16="http://schemas.microsoft.com/office/drawing/2014/main" id="{6F7F86A5-BF20-4685-B81D-91AED9BFF475}"/>
+                <a16:creationId xmlns:a16="http://schemas.microsoft.com/office/drawing/2014/main" xmlns="" id="{6F7F86A5-BF20-4685-B81D-91AED9BFF475}"/>
               </a:ext>
             </a:extLst>
           </p:cNvPr>
@@ -2593,7 +2598,7 @@
           <p:cNvPr id="4" name="Text Placeholder 3">
             <a:extLst>
               <a:ext uri="{FF2B5EF4-FFF2-40B4-BE49-F238E27FC236}">
-                <a16:creationId xmlns:a16="http://schemas.microsoft.com/office/drawing/2014/main" id="{F4903BDE-0BB0-492D-AB92-80E0EAD077CA}"/>
+                <a16:creationId xmlns:a16="http://schemas.microsoft.com/office/drawing/2014/main" xmlns="" id="{F4903BDE-0BB0-492D-AB92-80E0EAD077CA}"/>
               </a:ext>
             </a:extLst>
           </p:cNvPr>
@@ -2664,7 +2669,7 @@
           <p:cNvPr id="5" name="Date Placeholder 4">
             <a:extLst>
               <a:ext uri="{FF2B5EF4-FFF2-40B4-BE49-F238E27FC236}">
-                <a16:creationId xmlns:a16="http://schemas.microsoft.com/office/drawing/2014/main" id="{65A173A4-BB2A-483B-81EA-2DA4888CEB5E}"/>
+                <a16:creationId xmlns:a16="http://schemas.microsoft.com/office/drawing/2014/main" xmlns="" id="{65A173A4-BB2A-483B-81EA-2DA4888CEB5E}"/>
               </a:ext>
             </a:extLst>
           </p:cNvPr>
@@ -2693,7 +2698,7 @@
           <p:cNvPr id="6" name="Footer Placeholder 5">
             <a:extLst>
               <a:ext uri="{FF2B5EF4-FFF2-40B4-BE49-F238E27FC236}">
-                <a16:creationId xmlns:a16="http://schemas.microsoft.com/office/drawing/2014/main" id="{67630E30-1004-48F7-ADEA-75C8491060AC}"/>
+                <a16:creationId xmlns:a16="http://schemas.microsoft.com/office/drawing/2014/main" xmlns="" id="{67630E30-1004-48F7-ADEA-75C8491060AC}"/>
               </a:ext>
             </a:extLst>
           </p:cNvPr>
@@ -2718,7 +2723,7 @@
           <p:cNvPr id="7" name="Slide Number Placeholder 6">
             <a:extLst>
               <a:ext uri="{FF2B5EF4-FFF2-40B4-BE49-F238E27FC236}">
-                <a16:creationId xmlns:a16="http://schemas.microsoft.com/office/drawing/2014/main" id="{70A1DA61-EE5D-498E-B338-4AA94BE99DCC}"/>
+                <a16:creationId xmlns:a16="http://schemas.microsoft.com/office/drawing/2014/main" xmlns="" id="{70A1DA61-EE5D-498E-B338-4AA94BE99DCC}"/>
               </a:ext>
             </a:extLst>
           </p:cNvPr>
@@ -2782,7 +2787,7 @@
           <p:cNvPr id="2" name="Title Placeholder 1">
             <a:extLst>
               <a:ext uri="{FF2B5EF4-FFF2-40B4-BE49-F238E27FC236}">
-                <a16:creationId xmlns:a16="http://schemas.microsoft.com/office/drawing/2014/main" id="{B6174625-5FCA-4F82-970A-7908DBBB41DA}"/>
+                <a16:creationId xmlns:a16="http://schemas.microsoft.com/office/drawing/2014/main" xmlns="" id="{B6174625-5FCA-4F82-970A-7908DBBB41DA}"/>
               </a:ext>
             </a:extLst>
           </p:cNvPr>
@@ -2821,7 +2826,7 @@
           <p:cNvPr id="3" name="Text Placeholder 2">
             <a:extLst>
               <a:ext uri="{FF2B5EF4-FFF2-40B4-BE49-F238E27FC236}">
-                <a16:creationId xmlns:a16="http://schemas.microsoft.com/office/drawing/2014/main" id="{004B04C6-44D2-46FC-A68B-97E9E9961478}"/>
+                <a16:creationId xmlns:a16="http://schemas.microsoft.com/office/drawing/2014/main" xmlns="" id="{004B04C6-44D2-46FC-A68B-97E9E9961478}"/>
               </a:ext>
             </a:extLst>
           </p:cNvPr>
@@ -2889,7 +2894,7 @@
           <p:cNvPr id="4" name="Date Placeholder 3">
             <a:extLst>
               <a:ext uri="{FF2B5EF4-FFF2-40B4-BE49-F238E27FC236}">
-                <a16:creationId xmlns:a16="http://schemas.microsoft.com/office/drawing/2014/main" id="{CAFE3B65-0C76-4E14-9644-C1EC3EC4381F}"/>
+                <a16:creationId xmlns:a16="http://schemas.microsoft.com/office/drawing/2014/main" xmlns="" id="{CAFE3B65-0C76-4E14-9644-C1EC3EC4381F}"/>
               </a:ext>
             </a:extLst>
           </p:cNvPr>
@@ -2936,7 +2941,7 @@
           <p:cNvPr id="5" name="Footer Placeholder 4">
             <a:extLst>
               <a:ext uri="{FF2B5EF4-FFF2-40B4-BE49-F238E27FC236}">
-                <a16:creationId xmlns:a16="http://schemas.microsoft.com/office/drawing/2014/main" id="{68AEA1E0-57C3-4A54-BF0E-91B961F6A829}"/>
+                <a16:creationId xmlns:a16="http://schemas.microsoft.com/office/drawing/2014/main" xmlns="" id="{68AEA1E0-57C3-4A54-BF0E-91B961F6A829}"/>
               </a:ext>
             </a:extLst>
           </p:cNvPr>
@@ -2979,7 +2984,7 @@
           <p:cNvPr id="6" name="Slide Number Placeholder 5">
             <a:extLst>
               <a:ext uri="{FF2B5EF4-FFF2-40B4-BE49-F238E27FC236}">
-                <a16:creationId xmlns:a16="http://schemas.microsoft.com/office/drawing/2014/main" id="{FCB4C136-F669-49DB-83F3-7ED4AE55F27E}"/>
+                <a16:creationId xmlns:a16="http://schemas.microsoft.com/office/drawing/2014/main" xmlns="" id="{FCB4C136-F669-49DB-83F3-7ED4AE55F27E}"/>
               </a:ext>
             </a:extLst>
           </p:cNvPr>
@@ -3347,7 +3352,7 @@
           <p:cNvPr id="9" name="TextBox 8">
             <a:extLst>
               <a:ext uri="{FF2B5EF4-FFF2-40B4-BE49-F238E27FC236}">
-                <a16:creationId xmlns:a16="http://schemas.microsoft.com/office/drawing/2014/main" id="{734669D8-3F54-4A43-97A0-4056E4440BB9}"/>
+                <a16:creationId xmlns:a16="http://schemas.microsoft.com/office/drawing/2014/main" xmlns="" id="{734669D8-3F54-4A43-97A0-4056E4440BB9}"/>
               </a:ext>
             </a:extLst>
           </p:cNvPr>
@@ -3357,7 +3362,7 @@
         <p:spPr>
           <a:xfrm>
             <a:off x="148518" y="2301273"/>
-            <a:ext cx="2845299" cy="1892826"/>
+            <a:ext cx="2845299" cy="2262158"/>
           </a:xfrm>
           <a:prstGeom prst="rect">
             <a:avLst/>
@@ -3370,11 +3375,11 @@
           </a:bodyPr>
           <a:lstStyle/>
           <a:p>
-            <a:pPr marL="285750" indent="-285750">
-              <a:buAutoNum type="romanUcPeriod"/>
-            </a:pPr>
-            <a:r>
-              <a:rPr lang="en-US" sz="900" dirty="0"/>
+            <a:r>
+              <a:rPr lang="en-US" sz="1200" b="1" dirty="0">
+                <a:latin typeface="Times New Roman" panose="02020603050405020304" pitchFamily="18" charset="0"/>
+                <a:cs typeface="Times New Roman" panose="02020603050405020304" pitchFamily="18" charset="0"/>
+              </a:rPr>
               <a:t>Introduction </a:t>
             </a:r>
           </a:p>
@@ -3384,8 +3389,11 @@
               <a:buChar char="-"/>
             </a:pPr>
             <a:r>
-              <a:rPr lang="en-US" sz="900" dirty="0"/>
-              <a:t>In response, we design a novel optimization algorithm--called k-local greedy algorithm--to minimize the daily/weekly imbalance based on the prediction output. </a:t>
+              <a:rPr lang="en-US" sz="1000" dirty="0">
+                <a:latin typeface="Times New Roman" panose="02020603050405020304" pitchFamily="18" charset="0"/>
+                <a:cs typeface="Times New Roman" panose="02020603050405020304" pitchFamily="18" charset="0"/>
+              </a:rPr>
+              <a:t>The challenge offered by Bison Transport Company is about how we balance the inbound and outbound of current days and predict what would be the inbound and outbound freights for the future.</a:t>
             </a:r>
           </a:p>
           <a:p>
@@ -3394,8 +3402,18 @@
               <a:buChar char="-"/>
             </a:pPr>
             <a:r>
-              <a:rPr lang="en-US" sz="900" dirty="0"/>
-              <a:t>Our goal of this project is to predict the future traffic trend of a certain region (e.g. Quebec) in terms of inbound freight and outbound freight.</a:t>
+              <a:rPr lang="en-US" sz="1000" dirty="0" smtClean="0">
+                <a:latin typeface="Times New Roman" panose="02020603050405020304" pitchFamily="18" charset="0"/>
+                <a:cs typeface="Times New Roman" panose="02020603050405020304" pitchFamily="18" charset="0"/>
+              </a:rPr>
+              <a:t>In </a:t>
+            </a:r>
+            <a:r>
+              <a:rPr lang="en-US" sz="1000" dirty="0">
+                <a:latin typeface="Times New Roman" panose="02020603050405020304" pitchFamily="18" charset="0"/>
+                <a:cs typeface="Times New Roman" panose="02020603050405020304" pitchFamily="18" charset="0"/>
+              </a:rPr>
+              <a:t>response, we design a novel optimization algorithm--called k-local greedy algorithm--to minimize the daily/weekly imbalance based on the prediction output. </a:t>
             </a:r>
           </a:p>
           <a:p>
@@ -3404,8 +3422,11 @@
               <a:buChar char="-"/>
             </a:pPr>
             <a:r>
-              <a:rPr lang="en-US" sz="900" dirty="0"/>
-              <a:t>The challenge offered by Bison Transport Company is about how we balance the inbound and outbound of current days and predict what would be the inbound and outbound freights for the future.</a:t>
+              <a:rPr lang="en-US" sz="1000" dirty="0">
+                <a:latin typeface="Times New Roman" panose="02020603050405020304" pitchFamily="18" charset="0"/>
+                <a:cs typeface="Times New Roman" panose="02020603050405020304" pitchFamily="18" charset="0"/>
+              </a:rPr>
+              <a:t>Our goal of this project is to predict the future traffic trend of a certain region (e.g. Quebec) in terms of inbound freight and outbound freight.</a:t>
             </a:r>
           </a:p>
           <a:p>
@@ -3418,7 +3439,7 @@
           <p:cNvPr id="10" name="TextBox 9">
             <a:extLst>
               <a:ext uri="{FF2B5EF4-FFF2-40B4-BE49-F238E27FC236}">
-                <a16:creationId xmlns:a16="http://schemas.microsoft.com/office/drawing/2014/main" id="{ADEFD6FD-27F4-41D0-9384-D77E9AC0F71C}"/>
+                <a16:creationId xmlns:a16="http://schemas.microsoft.com/office/drawing/2014/main" xmlns="" id="{ADEFD6FD-27F4-41D0-9384-D77E9AC0F71C}"/>
               </a:ext>
             </a:extLst>
           </p:cNvPr>
@@ -3427,8 +3448,8 @@
         </p:nvSpPr>
         <p:spPr>
           <a:xfrm>
-            <a:off x="171925" y="4237202"/>
-            <a:ext cx="2853903" cy="2031325"/>
+            <a:off x="192245" y="4563431"/>
+            <a:ext cx="2853903" cy="1969770"/>
           </a:xfrm>
           <a:prstGeom prst="rect">
             <a:avLst/>
@@ -3442,30 +3463,136 @@
           <a:lstStyle/>
           <a:p>
             <a:r>
-              <a:rPr lang="en-US" sz="900" dirty="0"/>
-              <a:t>II. Methodology </a:t>
-            </a:r>
-          </a:p>
-          <a:p>
-            <a:r>
-              <a:rPr lang="en-US" sz="900" dirty="0"/>
+              <a:rPr lang="en-US" sz="1200" b="1" dirty="0" smtClean="0">
+                <a:latin typeface="Times New Roman" panose="02020603050405020304" pitchFamily="18" charset="0"/>
+                <a:cs typeface="Times New Roman" panose="02020603050405020304" pitchFamily="18" charset="0"/>
+              </a:rPr>
+              <a:t>Methodology </a:t>
+            </a:r>
+            <a:endParaRPr lang="en-US" sz="1200" b="1" dirty="0">
+              <a:latin typeface="Times New Roman" panose="02020603050405020304" pitchFamily="18" charset="0"/>
+              <a:cs typeface="Times New Roman" panose="02020603050405020304" pitchFamily="18" charset="0"/>
+            </a:endParaRPr>
+          </a:p>
+          <a:p>
+            <a:r>
+              <a:rPr lang="en-US" sz="1000" dirty="0" smtClean="0">
+                <a:latin typeface="Times New Roman" panose="02020603050405020304" pitchFamily="18" charset="0"/>
+                <a:cs typeface="Times New Roman" panose="02020603050405020304" pitchFamily="18" charset="0"/>
+              </a:rPr>
               <a:t>1 . Prediction model </a:t>
             </a:r>
           </a:p>
           <a:p>
-            <a:r>
-              <a:rPr lang="en-US" sz="900" dirty="0"/>
-              <a:t>- We apply the LSTM model for the time series forecasting, i.e., predict the future trend of the traffic. In particular, we predict the cumulative imbalance level of the future N numbers of days. Parameters used in the model: - Observation of the sample: 60 - Sequential() method to build model - Dropout 0.2 </a:t>
-            </a:r>
-            <a:r>
-              <a:rPr lang="en-US" sz="900" dirty="0" err="1"/>
+            <a:pPr marL="171450" indent="-171450">
+              <a:buFontTx/>
+              <a:buChar char="-"/>
+            </a:pPr>
+            <a:r>
+              <a:rPr lang="en-US" sz="1000" dirty="0" smtClean="0">
+                <a:latin typeface="Times New Roman" panose="02020603050405020304" pitchFamily="18" charset="0"/>
+                <a:cs typeface="Times New Roman" panose="02020603050405020304" pitchFamily="18" charset="0"/>
+              </a:rPr>
+              <a:t>We apply the LSTM model to predict the cumulative imbalance level of the future N numbers of days. </a:t>
+            </a:r>
+          </a:p>
+          <a:p>
+            <a:pPr marL="171450" indent="-171450">
+              <a:buFontTx/>
+              <a:buChar char="-"/>
+            </a:pPr>
+            <a:r>
+              <a:rPr lang="en-US" sz="1000" dirty="0" smtClean="0">
+                <a:latin typeface="Times New Roman" panose="02020603050405020304" pitchFamily="18" charset="0"/>
+                <a:cs typeface="Times New Roman" panose="02020603050405020304" pitchFamily="18" charset="0"/>
+              </a:rPr>
+              <a:t>Parameters used in the model: </a:t>
+            </a:r>
+          </a:p>
+          <a:p>
+            <a:pPr marL="171450" indent="-171450">
+              <a:buFont typeface="Arial" panose="020B0604020202020204" pitchFamily="34" charset="0"/>
+              <a:buChar char="•"/>
+            </a:pPr>
+            <a:r>
+              <a:rPr lang="en-US" sz="1000" dirty="0" smtClean="0">
+                <a:latin typeface="Times New Roman" panose="02020603050405020304" pitchFamily="18" charset="0"/>
+                <a:cs typeface="Times New Roman" panose="02020603050405020304" pitchFamily="18" charset="0"/>
+              </a:rPr>
+              <a:t>Observation of the sample: 60  </a:t>
+            </a:r>
+          </a:p>
+          <a:p>
+            <a:pPr marL="171450" indent="-171450">
+              <a:buFont typeface="Arial" panose="020B0604020202020204" pitchFamily="34" charset="0"/>
+              <a:buChar char="•"/>
+            </a:pPr>
+            <a:r>
+              <a:rPr lang="en-US" sz="1000" dirty="0" smtClean="0">
+                <a:latin typeface="Times New Roman" panose="02020603050405020304" pitchFamily="18" charset="0"/>
+                <a:cs typeface="Times New Roman" panose="02020603050405020304" pitchFamily="18" charset="0"/>
+              </a:rPr>
+              <a:t>Sequential() method to build model </a:t>
+            </a:r>
+          </a:p>
+          <a:p>
+            <a:pPr marL="171450" indent="-171450">
+              <a:buFont typeface="Arial" panose="020B0604020202020204" pitchFamily="34" charset="0"/>
+              <a:buChar char="•"/>
+            </a:pPr>
+            <a:r>
+              <a:rPr lang="en-US" sz="1000" dirty="0" smtClean="0">
+                <a:latin typeface="Times New Roman" panose="02020603050405020304" pitchFamily="18" charset="0"/>
+                <a:cs typeface="Times New Roman" panose="02020603050405020304" pitchFamily="18" charset="0"/>
+              </a:rPr>
+              <a:t>Dropout 0.2 </a:t>
+            </a:r>
+            <a:r>
+              <a:rPr lang="en-US" sz="1000" dirty="0" err="1" smtClean="0">
+                <a:latin typeface="Times New Roman" panose="02020603050405020304" pitchFamily="18" charset="0"/>
+                <a:cs typeface="Times New Roman" panose="02020603050405020304" pitchFamily="18" charset="0"/>
+              </a:rPr>
               <a:t>regularisation</a:t>
             </a:r>
             <a:r>
-              <a:rPr lang="en-US" sz="900" dirty="0"/>
-              <a:t> - Epochs: 50 – 100 In general, our prediction accuracy is around 90% (as explained in Section 4) depending on how the users define the fluctuation range (N). After obtaining the predicted trend, we apply a k-local greedy algorithm to balance the inbound and outbound for each day.</a:t>
-            </a:r>
-            <a:endParaRPr lang="en-CA" sz="900" dirty="0"/>
+              <a:rPr lang="en-US" sz="1000" dirty="0" smtClean="0">
+                <a:latin typeface="Times New Roman" panose="02020603050405020304" pitchFamily="18" charset="0"/>
+                <a:cs typeface="Times New Roman" panose="02020603050405020304" pitchFamily="18" charset="0"/>
+              </a:rPr>
+              <a:t> </a:t>
+            </a:r>
+          </a:p>
+          <a:p>
+            <a:pPr marL="171450" indent="-171450">
+              <a:buFont typeface="Arial" panose="020B0604020202020204" pitchFamily="34" charset="0"/>
+              <a:buChar char="•"/>
+            </a:pPr>
+            <a:r>
+              <a:rPr lang="en-US" sz="1000" dirty="0" smtClean="0">
+                <a:latin typeface="Times New Roman" panose="02020603050405020304" pitchFamily="18" charset="0"/>
+                <a:cs typeface="Times New Roman" panose="02020603050405020304" pitchFamily="18" charset="0"/>
+              </a:rPr>
+              <a:t>Epochs: 50 – 100 </a:t>
+            </a:r>
+          </a:p>
+          <a:p>
+            <a:pPr marL="171450" indent="-171450">
+              <a:buFont typeface="Arial" panose="020B0604020202020204" pitchFamily="34" charset="0"/>
+              <a:buChar char="•"/>
+            </a:pPr>
+            <a:endParaRPr lang="en-US" sz="1000" dirty="0">
+              <a:latin typeface="Times New Roman" panose="02020603050405020304" pitchFamily="18" charset="0"/>
+              <a:cs typeface="Times New Roman" panose="02020603050405020304" pitchFamily="18" charset="0"/>
+            </a:endParaRPr>
+          </a:p>
+          <a:p>
+            <a:r>
+              <a:rPr lang="en-US" sz="1000" dirty="0" smtClean="0">
+                <a:latin typeface="Times New Roman" panose="02020603050405020304" pitchFamily="18" charset="0"/>
+                <a:cs typeface="Times New Roman" panose="02020603050405020304" pitchFamily="18" charset="0"/>
+              </a:rPr>
+              <a:t>- </a:t>
+            </a:r>
           </a:p>
         </p:txBody>
       </p:sp>
@@ -3474,7 +3601,7 @@
           <p:cNvPr id="12" name="TextBox 11">
             <a:extLst>
               <a:ext uri="{FF2B5EF4-FFF2-40B4-BE49-F238E27FC236}">
-                <a16:creationId xmlns:a16="http://schemas.microsoft.com/office/drawing/2014/main" id="{328F1A96-175B-4D6C-8984-F71F2894BE0D}"/>
+                <a16:creationId xmlns:a16="http://schemas.microsoft.com/office/drawing/2014/main" xmlns="" id="{328F1A96-175B-4D6C-8984-F71F2894BE0D}"/>
               </a:ext>
             </a:extLst>
           </p:cNvPr>
@@ -3483,8 +3610,8 @@
         </p:nvSpPr>
         <p:spPr>
           <a:xfrm>
-            <a:off x="3167653" y="1917565"/>
-            <a:ext cx="2892114" cy="2169825"/>
+            <a:off x="3230688" y="189723"/>
+            <a:ext cx="2892114" cy="1169551"/>
           </a:xfrm>
           <a:prstGeom prst="rect">
             <a:avLst/>
@@ -3498,16 +3625,43 @@
           <a:lstStyle/>
           <a:p>
             <a:r>
-              <a:rPr lang="en-US" sz="900" dirty="0"/>
+              <a:rPr lang="en-US" sz="1000" dirty="0">
+                <a:latin typeface="Times New Roman" panose="02020603050405020304" pitchFamily="18" charset="0"/>
+                <a:cs typeface="Times New Roman" panose="02020603050405020304" pitchFamily="18" charset="0"/>
+              </a:rPr>
               <a:t>2. Optimization algorithm </a:t>
             </a:r>
-          </a:p>
-          <a:p>
-            <a:r>
-              <a:rPr lang="en-US" sz="900" dirty="0"/>
-              <a:t>We propose a method to improve the balance level of the current schedule. The idea being, “given a number k, the algorithm will go through every group of k consecutive days in the schedule and try to even out the imbalances of each and every day”, hence the name k-local greedy algorithm. In detail, as we go through each day in the original schedule, we will look ahead at the next k-days forecast and then re-tune the inbound and outbound schedule so that we achieve the k-days average balance level for our current day and then iteratively to all the other days in k-days group. To achieve the desired balance level for any particular day, say May 1st, we will be looking to move certain inbound or outbound orders between itself and the very next day (within 24 hours)</a:t>
-            </a:r>
-            <a:endParaRPr lang="en-CA" sz="900" dirty="0"/>
+            <a:r>
+              <a:rPr lang="en-US" sz="1000" dirty="0" smtClean="0">
+                <a:latin typeface="Times New Roman" panose="02020603050405020304" pitchFamily="18" charset="0"/>
+                <a:cs typeface="Times New Roman" panose="02020603050405020304" pitchFamily="18" charset="0"/>
+              </a:rPr>
+              <a:t>(k-local algorithm)</a:t>
+            </a:r>
+            <a:endParaRPr lang="en-US" sz="1000" dirty="0">
+              <a:latin typeface="Times New Roman" panose="02020603050405020304" pitchFamily="18" charset="0"/>
+              <a:cs typeface="Times New Roman" panose="02020603050405020304" pitchFamily="18" charset="0"/>
+            </a:endParaRPr>
+          </a:p>
+          <a:p>
+            <a:r>
+              <a:rPr lang="en-US" sz="1000" dirty="0">
+                <a:latin typeface="Times New Roman" panose="02020603050405020304" pitchFamily="18" charset="0"/>
+                <a:cs typeface="Times New Roman" panose="02020603050405020304" pitchFamily="18" charset="0"/>
+              </a:rPr>
+              <a:t>We propose a method to improve the balance level of the current schedule. The idea being, “given a number k, the algorithm will go through every group of k consecutive days in the schedule and try to even out the imbalances of each and every day”, hence the name k-local greedy </a:t>
+            </a:r>
+            <a:r>
+              <a:rPr lang="en-US" sz="1000" dirty="0" smtClean="0">
+                <a:latin typeface="Times New Roman" panose="02020603050405020304" pitchFamily="18" charset="0"/>
+                <a:cs typeface="Times New Roman" panose="02020603050405020304" pitchFamily="18" charset="0"/>
+              </a:rPr>
+              <a:t>algorithm.</a:t>
+            </a:r>
+            <a:endParaRPr lang="en-CA" sz="1000" dirty="0">
+              <a:latin typeface="Times New Roman" panose="02020603050405020304" pitchFamily="18" charset="0"/>
+              <a:cs typeface="Times New Roman" panose="02020603050405020304" pitchFamily="18" charset="0"/>
+            </a:endParaRPr>
           </a:p>
         </p:txBody>
       </p:sp>
@@ -3516,7 +3670,7 @@
           <p:cNvPr id="15" name="Picture 14">
             <a:extLst>
               <a:ext uri="{FF2B5EF4-FFF2-40B4-BE49-F238E27FC236}">
-                <a16:creationId xmlns:a16="http://schemas.microsoft.com/office/drawing/2014/main" id="{A3731195-F500-43B8-A81C-83F54C273106}"/>
+                <a16:creationId xmlns:a16="http://schemas.microsoft.com/office/drawing/2014/main" xmlns="" id="{A3731195-F500-43B8-A81C-83F54C273106}"/>
               </a:ext>
             </a:extLst>
           </p:cNvPr>
@@ -3533,8 +3687,8 @@
         </p:blipFill>
         <p:spPr>
           <a:xfrm>
-            <a:off x="6077707" y="2301273"/>
-            <a:ext cx="3016823" cy="1614409"/>
+            <a:off x="3205411" y="4500438"/>
+            <a:ext cx="3521531" cy="2182483"/>
           </a:xfrm>
           <a:prstGeom prst="rect">
             <a:avLst/>
@@ -3546,7 +3700,7 @@
           <p:cNvPr id="17" name="Picture 16">
             <a:extLst>
               <a:ext uri="{FF2B5EF4-FFF2-40B4-BE49-F238E27FC236}">
-                <a16:creationId xmlns:a16="http://schemas.microsoft.com/office/drawing/2014/main" id="{197EA2B2-B8E7-468D-909E-0F0751CB299D}"/>
+                <a16:creationId xmlns:a16="http://schemas.microsoft.com/office/drawing/2014/main" xmlns="" id="{197EA2B2-B8E7-468D-909E-0F0751CB299D}"/>
               </a:ext>
             </a:extLst>
           </p:cNvPr>
@@ -3563,8 +3717,8 @@
         </p:blipFill>
         <p:spPr>
           <a:xfrm>
-            <a:off x="6188247" y="4469235"/>
-            <a:ext cx="2878256" cy="1541582"/>
+            <a:off x="7418716" y="241539"/>
+            <a:ext cx="4408099" cy="2081351"/>
           </a:xfrm>
           <a:prstGeom prst="rect">
             <a:avLst/>
@@ -3576,7 +3730,7 @@
           <p:cNvPr id="19" name="Picture 18">
             <a:extLst>
               <a:ext uri="{FF2B5EF4-FFF2-40B4-BE49-F238E27FC236}">
-                <a16:creationId xmlns:a16="http://schemas.microsoft.com/office/drawing/2014/main" id="{420015C2-8F23-4518-95F0-A8006930B8EE}"/>
+                <a16:creationId xmlns:a16="http://schemas.microsoft.com/office/drawing/2014/main" xmlns="" id="{420015C2-8F23-4518-95F0-A8006930B8EE}"/>
               </a:ext>
             </a:extLst>
           </p:cNvPr>
@@ -3593,8 +3747,8 @@
         </p:blipFill>
         <p:spPr>
           <a:xfrm>
-            <a:off x="9165037" y="171410"/>
-            <a:ext cx="2829109" cy="2086760"/>
+            <a:off x="7418717" y="2357395"/>
+            <a:ext cx="4408099" cy="2283861"/>
           </a:xfrm>
           <a:prstGeom prst="rect">
             <a:avLst/>
@@ -3606,7 +3760,7 @@
           <p:cNvPr id="24" name="Rectangle 23">
             <a:extLst>
               <a:ext uri="{FF2B5EF4-FFF2-40B4-BE49-F238E27FC236}">
-                <a16:creationId xmlns:a16="http://schemas.microsoft.com/office/drawing/2014/main" id="{11A3F80C-89B5-4799-AA9F-375F8A2E6D74}"/>
+                <a16:creationId xmlns:a16="http://schemas.microsoft.com/office/drawing/2014/main" xmlns="" id="{11A3F80C-89B5-4799-AA9F-375F8A2E6D74}"/>
               </a:ext>
             </a:extLst>
           </p:cNvPr>
@@ -3615,8 +3769,8 @@
         </p:nvSpPr>
         <p:spPr>
           <a:xfrm>
-            <a:off x="6166710" y="103367"/>
-            <a:ext cx="2900719" cy="6639337"/>
+            <a:off x="6907494" y="103367"/>
+            <a:ext cx="5149657" cy="4632535"/>
           </a:xfrm>
           <a:prstGeom prst="rect">
             <a:avLst/>
@@ -3656,7 +3810,7 @@
           <p:cNvPr id="23" name="Rectangle 22">
             <a:extLst>
               <a:ext uri="{FF2B5EF4-FFF2-40B4-BE49-F238E27FC236}">
-                <a16:creationId xmlns:a16="http://schemas.microsoft.com/office/drawing/2014/main" id="{5ACA7E9A-4D27-4487-801A-7E6CB71B30BA}"/>
+                <a16:creationId xmlns:a16="http://schemas.microsoft.com/office/drawing/2014/main" xmlns="" id="{5ACA7E9A-4D27-4487-801A-7E6CB71B30BA}"/>
               </a:ext>
             </a:extLst>
           </p:cNvPr>
@@ -3666,7 +3820,7 @@
         <p:spPr>
           <a:xfrm>
             <a:off x="3168383" y="103367"/>
-            <a:ext cx="2900719" cy="6639337"/>
+            <a:ext cx="3624117" cy="3438170"/>
           </a:xfrm>
           <a:prstGeom prst="rect">
             <a:avLst/>
@@ -3706,7 +3860,7 @@
           <p:cNvPr id="4" name="Rectangle 3">
             <a:extLst>
               <a:ext uri="{FF2B5EF4-FFF2-40B4-BE49-F238E27FC236}">
-                <a16:creationId xmlns:a16="http://schemas.microsoft.com/office/drawing/2014/main" id="{BF1C4B97-2631-4D34-B6EC-36B5862D3ADC}"/>
+                <a16:creationId xmlns:a16="http://schemas.microsoft.com/office/drawing/2014/main" xmlns="" id="{BF1C4B97-2631-4D34-B6EC-36B5862D3ADC}"/>
               </a:ext>
             </a:extLst>
           </p:cNvPr>
@@ -3756,7 +3910,7 @@
           <p:cNvPr id="25" name="Rectangle 24">
             <a:extLst>
               <a:ext uri="{FF2B5EF4-FFF2-40B4-BE49-F238E27FC236}">
-                <a16:creationId xmlns:a16="http://schemas.microsoft.com/office/drawing/2014/main" id="{17EBAD67-8D9A-4D2B-9452-817E0C3F3595}"/>
+                <a16:creationId xmlns:a16="http://schemas.microsoft.com/office/drawing/2014/main" xmlns="" id="{17EBAD67-8D9A-4D2B-9452-817E0C3F3595}"/>
               </a:ext>
             </a:extLst>
           </p:cNvPr>
@@ -3765,8 +3919,8 @@
         </p:nvSpPr>
         <p:spPr>
           <a:xfrm>
-            <a:off x="9173642" y="103367"/>
-            <a:ext cx="2900719" cy="3325633"/>
+            <a:off x="3176988" y="3709351"/>
+            <a:ext cx="3615511" cy="3033351"/>
           </a:xfrm>
           <a:prstGeom prst="rect">
             <a:avLst/>
@@ -3806,7 +3960,7 @@
           <p:cNvPr id="26" name="Rectangle 25">
             <a:extLst>
               <a:ext uri="{FF2B5EF4-FFF2-40B4-BE49-F238E27FC236}">
-                <a16:creationId xmlns:a16="http://schemas.microsoft.com/office/drawing/2014/main" id="{4906DF9A-6F17-48B3-B948-2BE78FCFFAE9}"/>
+                <a16:creationId xmlns:a16="http://schemas.microsoft.com/office/drawing/2014/main" xmlns="" id="{4906DF9A-6F17-48B3-B948-2BE78FCFFAE9}"/>
               </a:ext>
             </a:extLst>
           </p:cNvPr>
@@ -3856,7 +4010,7 @@
           <p:cNvPr id="27" name="Rectangle 26">
             <a:extLst>
               <a:ext uri="{FF2B5EF4-FFF2-40B4-BE49-F238E27FC236}">
-                <a16:creationId xmlns:a16="http://schemas.microsoft.com/office/drawing/2014/main" id="{F7F1CE8C-85DD-405F-8F8E-CA6B357B4FEF}"/>
+                <a16:creationId xmlns:a16="http://schemas.microsoft.com/office/drawing/2014/main" xmlns="" id="{F7F1CE8C-85DD-405F-8F8E-CA6B357B4FEF}"/>
               </a:ext>
             </a:extLst>
           </p:cNvPr>
@@ -3865,8 +4019,8 @@
         </p:nvSpPr>
         <p:spPr>
           <a:xfrm>
-            <a:off x="9173642" y="3584052"/>
-            <a:ext cx="2900719" cy="3158652"/>
+            <a:off x="6920249" y="4804912"/>
+            <a:ext cx="5136903" cy="1937791"/>
           </a:xfrm>
           <a:prstGeom prst="rect">
             <a:avLst/>
@@ -3906,7 +4060,7 @@
           <p:cNvPr id="28" name="TextBox 27">
             <a:extLst>
               <a:ext uri="{FF2B5EF4-FFF2-40B4-BE49-F238E27FC236}">
-                <a16:creationId xmlns:a16="http://schemas.microsoft.com/office/drawing/2014/main" id="{E57E9C12-EC9B-4A0B-8858-2B8F55FE91FF}"/>
+                <a16:creationId xmlns:a16="http://schemas.microsoft.com/office/drawing/2014/main" xmlns="" id="{E57E9C12-EC9B-4A0B-8858-2B8F55FE91FF}"/>
               </a:ext>
             </a:extLst>
           </p:cNvPr>
@@ -3916,7 +4070,7 @@
         <p:spPr>
           <a:xfrm>
             <a:off x="171926" y="115294"/>
-            <a:ext cx="2853903" cy="1015663"/>
+            <a:ext cx="2853903" cy="1477328"/>
           </a:xfrm>
           <a:prstGeom prst="rect">
             <a:avLst/>
@@ -3931,8 +4085,50 @@
           <a:p>
             <a:pPr algn="ctr"/>
             <a:r>
-              <a:rPr lang="en-US" sz="1200" dirty="0"/>
-              <a:t>NEXUS CHALLENGE 2021 ADDRESSING NETWORK IMBALANCES REPORT Qi Wen, Jason Tran, Daniel Mai Department of Computer Science University of Manitoba Winnipeg, Canada</a:t>
+              <a:rPr lang="en-US" sz="1400" b="1" dirty="0">
+                <a:latin typeface="Times New Roman" panose="02020603050405020304" pitchFamily="18" charset="0"/>
+                <a:cs typeface="Times New Roman" panose="02020603050405020304" pitchFamily="18" charset="0"/>
+              </a:rPr>
+              <a:t>NEXUS CHALLENGE 2021 ADDRESSING NETWORK IMBALANCES REPORT </a:t>
+            </a:r>
+            <a:endParaRPr lang="en-US" sz="1400" b="1" dirty="0" smtClean="0">
+              <a:latin typeface="Times New Roman" panose="02020603050405020304" pitchFamily="18" charset="0"/>
+              <a:cs typeface="Times New Roman" panose="02020603050405020304" pitchFamily="18" charset="0"/>
+            </a:endParaRPr>
+          </a:p>
+          <a:p>
+            <a:pPr algn="ctr"/>
+            <a:endParaRPr lang="en-US" sz="1200" dirty="0" smtClean="0"/>
+          </a:p>
+          <a:p>
+            <a:pPr algn="ctr"/>
+            <a:r>
+              <a:rPr lang="en-US" sz="1200" dirty="0" smtClean="0">
+                <a:latin typeface="Times New Roman" panose="02020603050405020304" pitchFamily="18" charset="0"/>
+                <a:cs typeface="Times New Roman" panose="02020603050405020304" pitchFamily="18" charset="0"/>
+              </a:rPr>
+              <a:t>Qi </a:t>
+            </a:r>
+            <a:r>
+              <a:rPr lang="en-US" sz="1200" dirty="0">
+                <a:latin typeface="Times New Roman" panose="02020603050405020304" pitchFamily="18" charset="0"/>
+                <a:cs typeface="Times New Roman" panose="02020603050405020304" pitchFamily="18" charset="0"/>
+              </a:rPr>
+              <a:t>Wen, Jason Tran, Daniel Mai Department of Computer Science University of </a:t>
+            </a:r>
+            <a:r>
+              <a:rPr lang="en-US" sz="1200" dirty="0" smtClean="0">
+                <a:latin typeface="Times New Roman" panose="02020603050405020304" pitchFamily="18" charset="0"/>
+                <a:cs typeface="Times New Roman" panose="02020603050405020304" pitchFamily="18" charset="0"/>
+              </a:rPr>
+              <a:t>Manitoba, </a:t>
+            </a:r>
+            <a:r>
+              <a:rPr lang="en-US" sz="1200" dirty="0">
+                <a:latin typeface="Times New Roman" panose="02020603050405020304" pitchFamily="18" charset="0"/>
+                <a:cs typeface="Times New Roman" panose="02020603050405020304" pitchFamily="18" charset="0"/>
+              </a:rPr>
+              <a:t>Winnipeg, Canada</a:t>
             </a:r>
           </a:p>
         </p:txBody>
@@ -3942,7 +4138,7 @@
           <p:cNvPr id="29" name="TextBox 28">
             <a:extLst>
               <a:ext uri="{FF2B5EF4-FFF2-40B4-BE49-F238E27FC236}">
-                <a16:creationId xmlns:a16="http://schemas.microsoft.com/office/drawing/2014/main" id="{0AD2710C-75C6-477E-97B7-CBD20683FCF0}"/>
+                <a16:creationId xmlns:a16="http://schemas.microsoft.com/office/drawing/2014/main" xmlns="" id="{0AD2710C-75C6-477E-97B7-CBD20683FCF0}"/>
               </a:ext>
             </a:extLst>
           </p:cNvPr>
@@ -3951,8 +4147,8 @@
         </p:nvSpPr>
         <p:spPr>
           <a:xfrm>
-            <a:off x="6157375" y="187737"/>
-            <a:ext cx="2892114" cy="2169825"/>
+            <a:off x="3289131" y="3728488"/>
+            <a:ext cx="3388027" cy="430887"/>
           </a:xfrm>
           <a:prstGeom prst="rect">
             <a:avLst/>
@@ -3966,16 +4162,39 @@
           <a:lstStyle/>
           <a:p>
             <a:r>
-              <a:rPr lang="en-US" sz="900" dirty="0"/>
-              <a:t>Result</a:t>
-            </a:r>
-          </a:p>
-          <a:p>
-            <a:r>
-              <a:rPr lang="en-US" sz="900" dirty="0"/>
-              <a:t>We propose a method to improve the balance level of the current schedule. The idea being, “given a number k, the algorithm will go through every group of k consecutive days in the schedule and try to even out the imbalances of each and every day”, hence the name k-local greedy algorithm. In detail, as we go through each day in the original schedule, we will look ahead at the next k-days forecast and then re-tune the inbound and outbound schedule so that we achieve the k-days average balance level for our current day and then iteratively to all the other days in k-days group. To achieve the desired balance level for any particular day, say May 1st, we will be looking to move certain inbound or outbound orders between itself and the very next day (within 24 hours)</a:t>
-            </a:r>
-            <a:endParaRPr lang="en-CA" sz="900" dirty="0"/>
+              <a:rPr lang="en-US" sz="1200" b="1" dirty="0" smtClean="0">
+                <a:latin typeface="Times New Roman" panose="02020603050405020304" pitchFamily="18" charset="0"/>
+                <a:cs typeface="Times New Roman" panose="02020603050405020304" pitchFamily="18" charset="0"/>
+              </a:rPr>
+              <a:t>Result:</a:t>
+            </a:r>
+          </a:p>
+          <a:p>
+            <a:pPr marL="171450" indent="-171450">
+              <a:buFontTx/>
+              <a:buChar char="-"/>
+            </a:pPr>
+            <a:r>
+              <a:rPr lang="en-US" sz="1000" dirty="0" smtClean="0">
+                <a:latin typeface="Times New Roman" panose="02020603050405020304" pitchFamily="18" charset="0"/>
+                <a:cs typeface="Times New Roman" panose="02020603050405020304" pitchFamily="18" charset="0"/>
+              </a:rPr>
+              <a:t>Our prediction accuracy is roughly 96%</a:t>
+            </a:r>
+            <a:r>
+              <a:rPr lang="en-US" sz="1000" dirty="0">
+                <a:latin typeface="Times New Roman" panose="02020603050405020304" pitchFamily="18" charset="0"/>
+                <a:cs typeface="Times New Roman" panose="02020603050405020304" pitchFamily="18" charset="0"/>
+              </a:rPr>
+              <a:t> </a:t>
+            </a:r>
+            <a:r>
+              <a:rPr lang="en-US" sz="1000" dirty="0" smtClean="0">
+                <a:latin typeface="Times New Roman" panose="02020603050405020304" pitchFamily="18" charset="0"/>
+                <a:cs typeface="Times New Roman" panose="02020603050405020304" pitchFamily="18" charset="0"/>
+              </a:rPr>
+              <a:t>when N = 10.</a:t>
+            </a:r>
           </a:p>
         </p:txBody>
       </p:sp>
@@ -3984,7 +4203,7 @@
           <p:cNvPr id="32" name="TextBox 31">
             <a:extLst>
               <a:ext uri="{FF2B5EF4-FFF2-40B4-BE49-F238E27FC236}">
-                <a16:creationId xmlns:a16="http://schemas.microsoft.com/office/drawing/2014/main" id="{262415D5-20D7-4CE8-8199-A6DA2979924C}"/>
+                <a16:creationId xmlns:a16="http://schemas.microsoft.com/office/drawing/2014/main" xmlns="" id="{262415D5-20D7-4CE8-8199-A6DA2979924C}"/>
               </a:ext>
             </a:extLst>
           </p:cNvPr>
@@ -3993,8 +4212,8 @@
         </p:nvSpPr>
         <p:spPr>
           <a:xfrm>
-            <a:off x="9172092" y="3694975"/>
-            <a:ext cx="2892114" cy="784830"/>
+            <a:off x="6982554" y="4804912"/>
+            <a:ext cx="2892114" cy="415498"/>
           </a:xfrm>
           <a:prstGeom prst="rect">
             <a:avLst/>
@@ -4008,189 +4227,18 @@
           <a:lstStyle/>
           <a:p>
             <a:r>
-              <a:rPr lang="en-CA" sz="900" dirty="0"/>
-              <a:t>III. Conclusions </a:t>
-            </a:r>
-          </a:p>
-          <a:p>
-            <a:pPr marL="171450" indent="-171450">
-              <a:buFontTx/>
-              <a:buChar char="-"/>
-            </a:pPr>
-            <a:r>
-              <a:rPr lang="en-CA" sz="900" dirty="0"/>
-              <a:t>Conclusion1</a:t>
-            </a:r>
-          </a:p>
-          <a:p>
-            <a:pPr marL="171450" indent="-171450">
-              <a:buFontTx/>
-              <a:buChar char="-"/>
-            </a:pPr>
-            <a:r>
-              <a:rPr lang="en-CA" sz="900" dirty="0"/>
-              <a:t>Conclusion 2</a:t>
-            </a:r>
-          </a:p>
-          <a:p>
-            <a:pPr marL="171450" indent="-171450">
-              <a:buFontTx/>
-              <a:buChar char="-"/>
-            </a:pPr>
-            <a:r>
-              <a:rPr lang="en-CA" sz="900" dirty="0"/>
-              <a:t>Conclusion 3</a:t>
-            </a:r>
-          </a:p>
-          <a:p>
-            <a:pPr marL="171450" indent="-171450">
-              <a:buFontTx/>
-              <a:buChar char="-"/>
-            </a:pPr>
-            <a:endParaRPr lang="en-US" sz="900" dirty="0"/>
-          </a:p>
-        </p:txBody>
-      </p:sp>
-      <p:sp>
-        <p:nvSpPr>
-          <p:cNvPr id="33" name="TextBox 32">
-            <a:extLst>
-              <a:ext uri="{FF2B5EF4-FFF2-40B4-BE49-F238E27FC236}">
-                <a16:creationId xmlns:a16="http://schemas.microsoft.com/office/drawing/2014/main" id="{450F7695-C198-4E6B-98CC-7E4A1B2CF1E2}"/>
-              </a:ext>
-            </a:extLst>
-          </p:cNvPr>
-          <p:cNvSpPr txBox="1"/>
-          <p:nvPr/>
-        </p:nvSpPr>
-        <p:spPr>
-          <a:xfrm>
-            <a:off x="9151367" y="2433786"/>
-            <a:ext cx="2892114" cy="784830"/>
-          </a:xfrm>
-          <a:prstGeom prst="rect">
-            <a:avLst/>
-          </a:prstGeom>
-          <a:noFill/>
-        </p:spPr>
-        <p:txBody>
-          <a:bodyPr wrap="square" rtlCol="0">
-            <a:spAutoFit/>
-          </a:bodyPr>
-          <a:lstStyle/>
-          <a:p>
-            <a:r>
-              <a:rPr lang="en-CA" sz="900" dirty="0"/>
-              <a:t>III. Conclusions </a:t>
-            </a:r>
-          </a:p>
-          <a:p>
-            <a:pPr marL="171450" indent="-171450">
-              <a:buFontTx/>
-              <a:buChar char="-"/>
-            </a:pPr>
-            <a:r>
-              <a:rPr lang="en-CA" sz="900" dirty="0"/>
-              <a:t>Conclusion1</a:t>
-            </a:r>
-          </a:p>
-          <a:p>
-            <a:pPr marL="171450" indent="-171450">
-              <a:buFontTx/>
-              <a:buChar char="-"/>
-            </a:pPr>
-            <a:r>
-              <a:rPr lang="en-CA" sz="900" dirty="0"/>
-              <a:t>Conclusion 2</a:t>
-            </a:r>
-          </a:p>
-          <a:p>
-            <a:pPr marL="171450" indent="-171450">
-              <a:buFontTx/>
-              <a:buChar char="-"/>
-            </a:pPr>
-            <a:r>
-              <a:rPr lang="en-CA" sz="900" dirty="0"/>
-              <a:t>Conclusion 3</a:t>
-            </a:r>
-          </a:p>
-          <a:p>
-            <a:pPr marL="171450" indent="-171450">
-              <a:buFontTx/>
-              <a:buChar char="-"/>
-            </a:pPr>
-            <a:endParaRPr lang="en-US" sz="900" dirty="0"/>
-          </a:p>
-        </p:txBody>
-      </p:sp>
-      <p:sp>
-        <p:nvSpPr>
-          <p:cNvPr id="34" name="TextBox 33">
-            <a:extLst>
-              <a:ext uri="{FF2B5EF4-FFF2-40B4-BE49-F238E27FC236}">
-                <a16:creationId xmlns:a16="http://schemas.microsoft.com/office/drawing/2014/main" id="{AADDBF74-5327-41CC-84D1-88A970B6BCB8}"/>
-              </a:ext>
-            </a:extLst>
-          </p:cNvPr>
-          <p:cNvSpPr txBox="1"/>
-          <p:nvPr/>
-        </p:nvSpPr>
-        <p:spPr>
-          <a:xfrm>
-            <a:off x="6157375" y="6014419"/>
-            <a:ext cx="2892114" cy="784830"/>
-          </a:xfrm>
-          <a:prstGeom prst="rect">
-            <a:avLst/>
-          </a:prstGeom>
-          <a:noFill/>
-        </p:spPr>
-        <p:txBody>
-          <a:bodyPr wrap="square" rtlCol="0">
-            <a:spAutoFit/>
-          </a:bodyPr>
-          <a:lstStyle/>
-          <a:p>
-            <a:r>
-              <a:rPr lang="en-CA" sz="900" dirty="0"/>
-              <a:t>III. Conclusions </a:t>
-            </a:r>
-          </a:p>
-          <a:p>
-            <a:pPr marL="171450" indent="-171450">
-              <a:buFontTx/>
-              <a:buChar char="-"/>
-            </a:pPr>
-            <a:r>
-              <a:rPr lang="en-CA" sz="900" dirty="0"/>
-              <a:t>Conclusion1</a:t>
-            </a:r>
-          </a:p>
-          <a:p>
-            <a:pPr marL="171450" indent="-171450">
-              <a:buFontTx/>
-              <a:buChar char="-"/>
-            </a:pPr>
-            <a:r>
-              <a:rPr lang="en-CA" sz="900" dirty="0"/>
-              <a:t>Conclusion 2</a:t>
-            </a:r>
-          </a:p>
-          <a:p>
-            <a:pPr marL="171450" indent="-171450">
-              <a:buFontTx/>
-              <a:buChar char="-"/>
-            </a:pPr>
-            <a:r>
-              <a:rPr lang="en-CA" sz="900" dirty="0"/>
-              <a:t>Conclusion 3</a:t>
-            </a:r>
-          </a:p>
-          <a:p>
-            <a:pPr marL="171450" indent="-171450">
-              <a:buFontTx/>
-              <a:buChar char="-"/>
-            </a:pPr>
+              <a:rPr lang="en-CA" sz="1200" b="1" dirty="0" smtClean="0">
+                <a:latin typeface="Times New Roman" panose="02020603050405020304" pitchFamily="18" charset="0"/>
+                <a:cs typeface="Times New Roman" panose="02020603050405020304" pitchFamily="18" charset="0"/>
+              </a:rPr>
+              <a:t>Conclusions </a:t>
+            </a:r>
+            <a:endParaRPr lang="en-CA" sz="1200" b="1" dirty="0">
+              <a:latin typeface="Times New Roman" panose="02020603050405020304" pitchFamily="18" charset="0"/>
+              <a:cs typeface="Times New Roman" panose="02020603050405020304" pitchFamily="18" charset="0"/>
+            </a:endParaRPr>
+          </a:p>
+          <a:p>
             <a:endParaRPr lang="en-US" sz="900" dirty="0"/>
           </a:p>
         </p:txBody>

--- a/Nexus-Presentation.pptx
+++ b/Nexus-Presentation.pptx
@@ -134,7 +134,7 @@
           <p:cNvPr id="2" name="Title 1">
             <a:extLst>
               <a:ext uri="{FF2B5EF4-FFF2-40B4-BE49-F238E27FC236}">
-                <a16:creationId xmlns:a16="http://schemas.microsoft.com/office/drawing/2014/main" xmlns="" id="{6E9577E7-CCBC-48F3-93AE-A6913565938F}"/>
+                <a16:creationId xmlns:a16="http://schemas.microsoft.com/office/drawing/2014/main" id="{6E9577E7-CCBC-48F3-93AE-A6913565938F}"/>
               </a:ext>
             </a:extLst>
           </p:cNvPr>
@@ -172,7 +172,7 @@
           <p:cNvPr id="3" name="Subtitle 2">
             <a:extLst>
               <a:ext uri="{FF2B5EF4-FFF2-40B4-BE49-F238E27FC236}">
-                <a16:creationId xmlns:a16="http://schemas.microsoft.com/office/drawing/2014/main" xmlns="" id="{DE0D06B3-217D-46ED-8B5E-ED111EF7047D}"/>
+                <a16:creationId xmlns:a16="http://schemas.microsoft.com/office/drawing/2014/main" id="{DE0D06B3-217D-46ED-8B5E-ED111EF7047D}"/>
               </a:ext>
             </a:extLst>
           </p:cNvPr>
@@ -243,7 +243,7 @@
           <p:cNvPr id="4" name="Date Placeholder 3">
             <a:extLst>
               <a:ext uri="{FF2B5EF4-FFF2-40B4-BE49-F238E27FC236}">
-                <a16:creationId xmlns:a16="http://schemas.microsoft.com/office/drawing/2014/main" xmlns="" id="{92278A9A-B95C-4108-A479-38C98024739B}"/>
+                <a16:creationId xmlns:a16="http://schemas.microsoft.com/office/drawing/2014/main" id="{92278A9A-B95C-4108-A479-38C98024739B}"/>
               </a:ext>
             </a:extLst>
           </p:cNvPr>
@@ -272,7 +272,7 @@
           <p:cNvPr id="5" name="Footer Placeholder 4">
             <a:extLst>
               <a:ext uri="{FF2B5EF4-FFF2-40B4-BE49-F238E27FC236}">
-                <a16:creationId xmlns:a16="http://schemas.microsoft.com/office/drawing/2014/main" xmlns="" id="{60373891-BCDB-41D1-BF42-E62CB79071B3}"/>
+                <a16:creationId xmlns:a16="http://schemas.microsoft.com/office/drawing/2014/main" id="{60373891-BCDB-41D1-BF42-E62CB79071B3}"/>
               </a:ext>
             </a:extLst>
           </p:cNvPr>
@@ -297,7 +297,7 @@
           <p:cNvPr id="6" name="Slide Number Placeholder 5">
             <a:extLst>
               <a:ext uri="{FF2B5EF4-FFF2-40B4-BE49-F238E27FC236}">
-                <a16:creationId xmlns:a16="http://schemas.microsoft.com/office/drawing/2014/main" xmlns="" id="{45DBDC65-EEC1-4F0E-8800-F625218F2CC2}"/>
+                <a16:creationId xmlns:a16="http://schemas.microsoft.com/office/drawing/2014/main" id="{45DBDC65-EEC1-4F0E-8800-F625218F2CC2}"/>
               </a:ext>
             </a:extLst>
           </p:cNvPr>
@@ -356,7 +356,7 @@
           <p:cNvPr id="2" name="Title 1">
             <a:extLst>
               <a:ext uri="{FF2B5EF4-FFF2-40B4-BE49-F238E27FC236}">
-                <a16:creationId xmlns:a16="http://schemas.microsoft.com/office/drawing/2014/main" xmlns="" id="{69B92875-CE10-461B-8CA4-C61DADFCAAA1}"/>
+                <a16:creationId xmlns:a16="http://schemas.microsoft.com/office/drawing/2014/main" id="{69B92875-CE10-461B-8CA4-C61DADFCAAA1}"/>
               </a:ext>
             </a:extLst>
           </p:cNvPr>
@@ -385,7 +385,7 @@
           <p:cNvPr id="3" name="Vertical Text Placeholder 2">
             <a:extLst>
               <a:ext uri="{FF2B5EF4-FFF2-40B4-BE49-F238E27FC236}">
-                <a16:creationId xmlns:a16="http://schemas.microsoft.com/office/drawing/2014/main" xmlns="" id="{DF3823F2-8905-4D02-AB74-D0B83064D71E}"/>
+                <a16:creationId xmlns:a16="http://schemas.microsoft.com/office/drawing/2014/main" id="{DF3823F2-8905-4D02-AB74-D0B83064D71E}"/>
               </a:ext>
             </a:extLst>
           </p:cNvPr>
@@ -443,7 +443,7 @@
           <p:cNvPr id="4" name="Date Placeholder 3">
             <a:extLst>
               <a:ext uri="{FF2B5EF4-FFF2-40B4-BE49-F238E27FC236}">
-                <a16:creationId xmlns:a16="http://schemas.microsoft.com/office/drawing/2014/main" xmlns="" id="{46826CB6-FFDC-4323-9BED-B0AD6839D846}"/>
+                <a16:creationId xmlns:a16="http://schemas.microsoft.com/office/drawing/2014/main" id="{46826CB6-FFDC-4323-9BED-B0AD6839D846}"/>
               </a:ext>
             </a:extLst>
           </p:cNvPr>
@@ -472,7 +472,7 @@
           <p:cNvPr id="5" name="Footer Placeholder 4">
             <a:extLst>
               <a:ext uri="{FF2B5EF4-FFF2-40B4-BE49-F238E27FC236}">
-                <a16:creationId xmlns:a16="http://schemas.microsoft.com/office/drawing/2014/main" xmlns="" id="{D38DB6D0-3577-47A0-831C-035BFA43C7B2}"/>
+                <a16:creationId xmlns:a16="http://schemas.microsoft.com/office/drawing/2014/main" id="{D38DB6D0-3577-47A0-831C-035BFA43C7B2}"/>
               </a:ext>
             </a:extLst>
           </p:cNvPr>
@@ -497,7 +497,7 @@
           <p:cNvPr id="6" name="Slide Number Placeholder 5">
             <a:extLst>
               <a:ext uri="{FF2B5EF4-FFF2-40B4-BE49-F238E27FC236}">
-                <a16:creationId xmlns:a16="http://schemas.microsoft.com/office/drawing/2014/main" xmlns="" id="{71EC1997-901B-403E-B957-0F4703361663}"/>
+                <a16:creationId xmlns:a16="http://schemas.microsoft.com/office/drawing/2014/main" id="{71EC1997-901B-403E-B957-0F4703361663}"/>
               </a:ext>
             </a:extLst>
           </p:cNvPr>
@@ -556,7 +556,7 @@
           <p:cNvPr id="2" name="Vertical Title 1">
             <a:extLst>
               <a:ext uri="{FF2B5EF4-FFF2-40B4-BE49-F238E27FC236}">
-                <a16:creationId xmlns:a16="http://schemas.microsoft.com/office/drawing/2014/main" xmlns="" id="{6569F883-5A15-47FB-B3D0-27447B56DDBA}"/>
+                <a16:creationId xmlns:a16="http://schemas.microsoft.com/office/drawing/2014/main" id="{6569F883-5A15-47FB-B3D0-27447B56DDBA}"/>
               </a:ext>
             </a:extLst>
           </p:cNvPr>
@@ -590,7 +590,7 @@
           <p:cNvPr id="3" name="Vertical Text Placeholder 2">
             <a:extLst>
               <a:ext uri="{FF2B5EF4-FFF2-40B4-BE49-F238E27FC236}">
-                <a16:creationId xmlns:a16="http://schemas.microsoft.com/office/drawing/2014/main" xmlns="" id="{4CB54348-F89F-4837-BD2D-4AEA99400A8D}"/>
+                <a16:creationId xmlns:a16="http://schemas.microsoft.com/office/drawing/2014/main" id="{4CB54348-F89F-4837-BD2D-4AEA99400A8D}"/>
               </a:ext>
             </a:extLst>
           </p:cNvPr>
@@ -653,7 +653,7 @@
           <p:cNvPr id="4" name="Date Placeholder 3">
             <a:extLst>
               <a:ext uri="{FF2B5EF4-FFF2-40B4-BE49-F238E27FC236}">
-                <a16:creationId xmlns:a16="http://schemas.microsoft.com/office/drawing/2014/main" xmlns="" id="{955FC657-513C-4C8A-AF21-508F8375BA77}"/>
+                <a16:creationId xmlns:a16="http://schemas.microsoft.com/office/drawing/2014/main" id="{955FC657-513C-4C8A-AF21-508F8375BA77}"/>
               </a:ext>
             </a:extLst>
           </p:cNvPr>
@@ -682,7 +682,7 @@
           <p:cNvPr id="5" name="Footer Placeholder 4">
             <a:extLst>
               <a:ext uri="{FF2B5EF4-FFF2-40B4-BE49-F238E27FC236}">
-                <a16:creationId xmlns:a16="http://schemas.microsoft.com/office/drawing/2014/main" xmlns="" id="{90902EF0-6F82-45B4-8DC4-D1E6F9096556}"/>
+                <a16:creationId xmlns:a16="http://schemas.microsoft.com/office/drawing/2014/main" id="{90902EF0-6F82-45B4-8DC4-D1E6F9096556}"/>
               </a:ext>
             </a:extLst>
           </p:cNvPr>
@@ -707,7 +707,7 @@
           <p:cNvPr id="6" name="Slide Number Placeholder 5">
             <a:extLst>
               <a:ext uri="{FF2B5EF4-FFF2-40B4-BE49-F238E27FC236}">
-                <a16:creationId xmlns:a16="http://schemas.microsoft.com/office/drawing/2014/main" xmlns="" id="{D5AC985B-CA64-4429-8C3F-CA6F6E9A996F}"/>
+                <a16:creationId xmlns:a16="http://schemas.microsoft.com/office/drawing/2014/main" id="{D5AC985B-CA64-4429-8C3F-CA6F6E9A996F}"/>
               </a:ext>
             </a:extLst>
           </p:cNvPr>
@@ -766,7 +766,7 @@
           <p:cNvPr id="2" name="Title 1">
             <a:extLst>
               <a:ext uri="{FF2B5EF4-FFF2-40B4-BE49-F238E27FC236}">
-                <a16:creationId xmlns:a16="http://schemas.microsoft.com/office/drawing/2014/main" xmlns="" id="{76385098-2503-42C9-84BD-CA3B94ED3914}"/>
+                <a16:creationId xmlns:a16="http://schemas.microsoft.com/office/drawing/2014/main" id="{76385098-2503-42C9-84BD-CA3B94ED3914}"/>
               </a:ext>
             </a:extLst>
           </p:cNvPr>
@@ -795,7 +795,7 @@
           <p:cNvPr id="3" name="Content Placeholder 2">
             <a:extLst>
               <a:ext uri="{FF2B5EF4-FFF2-40B4-BE49-F238E27FC236}">
-                <a16:creationId xmlns:a16="http://schemas.microsoft.com/office/drawing/2014/main" xmlns="" id="{AA46A590-2593-4601-9595-E08A5DA83279}"/>
+                <a16:creationId xmlns:a16="http://schemas.microsoft.com/office/drawing/2014/main" id="{AA46A590-2593-4601-9595-E08A5DA83279}"/>
               </a:ext>
             </a:extLst>
           </p:cNvPr>
@@ -853,7 +853,7 @@
           <p:cNvPr id="4" name="Date Placeholder 3">
             <a:extLst>
               <a:ext uri="{FF2B5EF4-FFF2-40B4-BE49-F238E27FC236}">
-                <a16:creationId xmlns:a16="http://schemas.microsoft.com/office/drawing/2014/main" xmlns="" id="{DA3F5AD4-02DD-4078-AA46-F46A4D2E3A5F}"/>
+                <a16:creationId xmlns:a16="http://schemas.microsoft.com/office/drawing/2014/main" id="{DA3F5AD4-02DD-4078-AA46-F46A4D2E3A5F}"/>
               </a:ext>
             </a:extLst>
           </p:cNvPr>
@@ -882,7 +882,7 @@
           <p:cNvPr id="5" name="Footer Placeholder 4">
             <a:extLst>
               <a:ext uri="{FF2B5EF4-FFF2-40B4-BE49-F238E27FC236}">
-                <a16:creationId xmlns:a16="http://schemas.microsoft.com/office/drawing/2014/main" xmlns="" id="{43CBD8B0-8E53-4BC2-8858-8E67CB9FBEB6}"/>
+                <a16:creationId xmlns:a16="http://schemas.microsoft.com/office/drawing/2014/main" id="{43CBD8B0-8E53-4BC2-8858-8E67CB9FBEB6}"/>
               </a:ext>
             </a:extLst>
           </p:cNvPr>
@@ -907,7 +907,7 @@
           <p:cNvPr id="6" name="Slide Number Placeholder 5">
             <a:extLst>
               <a:ext uri="{FF2B5EF4-FFF2-40B4-BE49-F238E27FC236}">
-                <a16:creationId xmlns:a16="http://schemas.microsoft.com/office/drawing/2014/main" xmlns="" id="{D7CFE7EB-E5DA-4934-9317-B7F981C36831}"/>
+                <a16:creationId xmlns:a16="http://schemas.microsoft.com/office/drawing/2014/main" id="{D7CFE7EB-E5DA-4934-9317-B7F981C36831}"/>
               </a:ext>
             </a:extLst>
           </p:cNvPr>
@@ -966,7 +966,7 @@
           <p:cNvPr id="2" name="Title 1">
             <a:extLst>
               <a:ext uri="{FF2B5EF4-FFF2-40B4-BE49-F238E27FC236}">
-                <a16:creationId xmlns:a16="http://schemas.microsoft.com/office/drawing/2014/main" xmlns="" id="{B5C2A75E-9B48-4127-9DBA-0C3F20E2FF7F}"/>
+                <a16:creationId xmlns:a16="http://schemas.microsoft.com/office/drawing/2014/main" id="{B5C2A75E-9B48-4127-9DBA-0C3F20E2FF7F}"/>
               </a:ext>
             </a:extLst>
           </p:cNvPr>
@@ -1004,7 +1004,7 @@
           <p:cNvPr id="3" name="Text Placeholder 2">
             <a:extLst>
               <a:ext uri="{FF2B5EF4-FFF2-40B4-BE49-F238E27FC236}">
-                <a16:creationId xmlns:a16="http://schemas.microsoft.com/office/drawing/2014/main" xmlns="" id="{5CF1BBC8-527C-442C-A1F8-B5084897A3A1}"/>
+                <a16:creationId xmlns:a16="http://schemas.microsoft.com/office/drawing/2014/main" id="{5CF1BBC8-527C-442C-A1F8-B5084897A3A1}"/>
               </a:ext>
             </a:extLst>
           </p:cNvPr>
@@ -1129,7 +1129,7 @@
           <p:cNvPr id="4" name="Date Placeholder 3">
             <a:extLst>
               <a:ext uri="{FF2B5EF4-FFF2-40B4-BE49-F238E27FC236}">
-                <a16:creationId xmlns:a16="http://schemas.microsoft.com/office/drawing/2014/main" xmlns="" id="{E4B85546-2542-4BE3-9B6A-2E638841801F}"/>
+                <a16:creationId xmlns:a16="http://schemas.microsoft.com/office/drawing/2014/main" id="{E4B85546-2542-4BE3-9B6A-2E638841801F}"/>
               </a:ext>
             </a:extLst>
           </p:cNvPr>
@@ -1158,7 +1158,7 @@
           <p:cNvPr id="5" name="Footer Placeholder 4">
             <a:extLst>
               <a:ext uri="{FF2B5EF4-FFF2-40B4-BE49-F238E27FC236}">
-                <a16:creationId xmlns:a16="http://schemas.microsoft.com/office/drawing/2014/main" xmlns="" id="{19D2BA20-C3C0-4AD2-A721-035A6406DCC0}"/>
+                <a16:creationId xmlns:a16="http://schemas.microsoft.com/office/drawing/2014/main" id="{19D2BA20-C3C0-4AD2-A721-035A6406DCC0}"/>
               </a:ext>
             </a:extLst>
           </p:cNvPr>
@@ -1183,7 +1183,7 @@
           <p:cNvPr id="6" name="Slide Number Placeholder 5">
             <a:extLst>
               <a:ext uri="{FF2B5EF4-FFF2-40B4-BE49-F238E27FC236}">
-                <a16:creationId xmlns:a16="http://schemas.microsoft.com/office/drawing/2014/main" xmlns="" id="{E2567E00-0D47-4437-BADA-19A85B6840CE}"/>
+                <a16:creationId xmlns:a16="http://schemas.microsoft.com/office/drawing/2014/main" id="{E2567E00-0D47-4437-BADA-19A85B6840CE}"/>
               </a:ext>
             </a:extLst>
           </p:cNvPr>
@@ -1242,7 +1242,7 @@
           <p:cNvPr id="2" name="Title 1">
             <a:extLst>
               <a:ext uri="{FF2B5EF4-FFF2-40B4-BE49-F238E27FC236}">
-                <a16:creationId xmlns:a16="http://schemas.microsoft.com/office/drawing/2014/main" xmlns="" id="{35EA0816-F8A0-4FC3-AF1E-BBA7577EB68B}"/>
+                <a16:creationId xmlns:a16="http://schemas.microsoft.com/office/drawing/2014/main" id="{35EA0816-F8A0-4FC3-AF1E-BBA7577EB68B}"/>
               </a:ext>
             </a:extLst>
           </p:cNvPr>
@@ -1271,7 +1271,7 @@
           <p:cNvPr id="3" name="Content Placeholder 2">
             <a:extLst>
               <a:ext uri="{FF2B5EF4-FFF2-40B4-BE49-F238E27FC236}">
-                <a16:creationId xmlns:a16="http://schemas.microsoft.com/office/drawing/2014/main" xmlns="" id="{B68D3332-2771-44F5-AACB-302F356EBDB5}"/>
+                <a16:creationId xmlns:a16="http://schemas.microsoft.com/office/drawing/2014/main" id="{B68D3332-2771-44F5-AACB-302F356EBDB5}"/>
               </a:ext>
             </a:extLst>
           </p:cNvPr>
@@ -1334,7 +1334,7 @@
           <p:cNvPr id="4" name="Content Placeholder 3">
             <a:extLst>
               <a:ext uri="{FF2B5EF4-FFF2-40B4-BE49-F238E27FC236}">
-                <a16:creationId xmlns:a16="http://schemas.microsoft.com/office/drawing/2014/main" xmlns="" id="{BB6598BA-6924-4C5C-9953-8B206540B78C}"/>
+                <a16:creationId xmlns:a16="http://schemas.microsoft.com/office/drawing/2014/main" id="{BB6598BA-6924-4C5C-9953-8B206540B78C}"/>
               </a:ext>
             </a:extLst>
           </p:cNvPr>
@@ -1397,7 +1397,7 @@
           <p:cNvPr id="5" name="Date Placeholder 4">
             <a:extLst>
               <a:ext uri="{FF2B5EF4-FFF2-40B4-BE49-F238E27FC236}">
-                <a16:creationId xmlns:a16="http://schemas.microsoft.com/office/drawing/2014/main" xmlns="" id="{3AE88C9F-FB9E-4FD7-85F8-60F0514C25F5}"/>
+                <a16:creationId xmlns:a16="http://schemas.microsoft.com/office/drawing/2014/main" id="{3AE88C9F-FB9E-4FD7-85F8-60F0514C25F5}"/>
               </a:ext>
             </a:extLst>
           </p:cNvPr>
@@ -1426,7 +1426,7 @@
           <p:cNvPr id="6" name="Footer Placeholder 5">
             <a:extLst>
               <a:ext uri="{FF2B5EF4-FFF2-40B4-BE49-F238E27FC236}">
-                <a16:creationId xmlns:a16="http://schemas.microsoft.com/office/drawing/2014/main" xmlns="" id="{16C94732-C14E-44B5-8FC4-AE6D6145C551}"/>
+                <a16:creationId xmlns:a16="http://schemas.microsoft.com/office/drawing/2014/main" id="{16C94732-C14E-44B5-8FC4-AE6D6145C551}"/>
               </a:ext>
             </a:extLst>
           </p:cNvPr>
@@ -1451,7 +1451,7 @@
           <p:cNvPr id="7" name="Slide Number Placeholder 6">
             <a:extLst>
               <a:ext uri="{FF2B5EF4-FFF2-40B4-BE49-F238E27FC236}">
-                <a16:creationId xmlns:a16="http://schemas.microsoft.com/office/drawing/2014/main" xmlns="" id="{6CD6A370-E062-4553-96C4-7E93F92287B2}"/>
+                <a16:creationId xmlns:a16="http://schemas.microsoft.com/office/drawing/2014/main" id="{6CD6A370-E062-4553-96C4-7E93F92287B2}"/>
               </a:ext>
             </a:extLst>
           </p:cNvPr>
@@ -1510,7 +1510,7 @@
           <p:cNvPr id="2" name="Title 1">
             <a:extLst>
               <a:ext uri="{FF2B5EF4-FFF2-40B4-BE49-F238E27FC236}">
-                <a16:creationId xmlns:a16="http://schemas.microsoft.com/office/drawing/2014/main" xmlns="" id="{E1624867-BE6D-4110-AA46-ED32656C4CE5}"/>
+                <a16:creationId xmlns:a16="http://schemas.microsoft.com/office/drawing/2014/main" id="{E1624867-BE6D-4110-AA46-ED32656C4CE5}"/>
               </a:ext>
             </a:extLst>
           </p:cNvPr>
@@ -1544,7 +1544,7 @@
           <p:cNvPr id="3" name="Text Placeholder 2">
             <a:extLst>
               <a:ext uri="{FF2B5EF4-FFF2-40B4-BE49-F238E27FC236}">
-                <a16:creationId xmlns:a16="http://schemas.microsoft.com/office/drawing/2014/main" xmlns="" id="{A7878CA2-959E-47B6-81EA-4E62861BEB35}"/>
+                <a16:creationId xmlns:a16="http://schemas.microsoft.com/office/drawing/2014/main" id="{A7878CA2-959E-47B6-81EA-4E62861BEB35}"/>
               </a:ext>
             </a:extLst>
           </p:cNvPr>
@@ -1615,7 +1615,7 @@
           <p:cNvPr id="4" name="Content Placeholder 3">
             <a:extLst>
               <a:ext uri="{FF2B5EF4-FFF2-40B4-BE49-F238E27FC236}">
-                <a16:creationId xmlns:a16="http://schemas.microsoft.com/office/drawing/2014/main" xmlns="" id="{D26362D2-E06D-47E1-8ACD-DB53947F530A}"/>
+                <a16:creationId xmlns:a16="http://schemas.microsoft.com/office/drawing/2014/main" id="{D26362D2-E06D-47E1-8ACD-DB53947F530A}"/>
               </a:ext>
             </a:extLst>
           </p:cNvPr>
@@ -1678,7 +1678,7 @@
           <p:cNvPr id="5" name="Text Placeholder 4">
             <a:extLst>
               <a:ext uri="{FF2B5EF4-FFF2-40B4-BE49-F238E27FC236}">
-                <a16:creationId xmlns:a16="http://schemas.microsoft.com/office/drawing/2014/main" xmlns="" id="{A0B3324F-FA89-44F8-8748-E5271D4C20C7}"/>
+                <a16:creationId xmlns:a16="http://schemas.microsoft.com/office/drawing/2014/main" id="{A0B3324F-FA89-44F8-8748-E5271D4C20C7}"/>
               </a:ext>
             </a:extLst>
           </p:cNvPr>
@@ -1749,7 +1749,7 @@
           <p:cNvPr id="6" name="Content Placeholder 5">
             <a:extLst>
               <a:ext uri="{FF2B5EF4-FFF2-40B4-BE49-F238E27FC236}">
-                <a16:creationId xmlns:a16="http://schemas.microsoft.com/office/drawing/2014/main" xmlns="" id="{57087654-73E6-4B09-B8B2-F19B86034749}"/>
+                <a16:creationId xmlns:a16="http://schemas.microsoft.com/office/drawing/2014/main" id="{57087654-73E6-4B09-B8B2-F19B86034749}"/>
               </a:ext>
             </a:extLst>
           </p:cNvPr>
@@ -1812,7 +1812,7 @@
           <p:cNvPr id="7" name="Date Placeholder 6">
             <a:extLst>
               <a:ext uri="{FF2B5EF4-FFF2-40B4-BE49-F238E27FC236}">
-                <a16:creationId xmlns:a16="http://schemas.microsoft.com/office/drawing/2014/main" xmlns="" id="{2FF0CB29-1106-4596-9AC4-44C09A3B70DD}"/>
+                <a16:creationId xmlns:a16="http://schemas.microsoft.com/office/drawing/2014/main" id="{2FF0CB29-1106-4596-9AC4-44C09A3B70DD}"/>
               </a:ext>
             </a:extLst>
           </p:cNvPr>
@@ -1841,7 +1841,7 @@
           <p:cNvPr id="8" name="Footer Placeholder 7">
             <a:extLst>
               <a:ext uri="{FF2B5EF4-FFF2-40B4-BE49-F238E27FC236}">
-                <a16:creationId xmlns:a16="http://schemas.microsoft.com/office/drawing/2014/main" xmlns="" id="{106E9475-501E-401D-9AFA-26DD1EEC172E}"/>
+                <a16:creationId xmlns:a16="http://schemas.microsoft.com/office/drawing/2014/main" id="{106E9475-501E-401D-9AFA-26DD1EEC172E}"/>
               </a:ext>
             </a:extLst>
           </p:cNvPr>
@@ -1866,7 +1866,7 @@
           <p:cNvPr id="9" name="Slide Number Placeholder 8">
             <a:extLst>
               <a:ext uri="{FF2B5EF4-FFF2-40B4-BE49-F238E27FC236}">
-                <a16:creationId xmlns:a16="http://schemas.microsoft.com/office/drawing/2014/main" xmlns="" id="{F8C9A2A2-90AD-4ACA-BA38-D55E8E55074E}"/>
+                <a16:creationId xmlns:a16="http://schemas.microsoft.com/office/drawing/2014/main" id="{F8C9A2A2-90AD-4ACA-BA38-D55E8E55074E}"/>
               </a:ext>
             </a:extLst>
           </p:cNvPr>
@@ -1925,7 +1925,7 @@
           <p:cNvPr id="2" name="Title 1">
             <a:extLst>
               <a:ext uri="{FF2B5EF4-FFF2-40B4-BE49-F238E27FC236}">
-                <a16:creationId xmlns:a16="http://schemas.microsoft.com/office/drawing/2014/main" xmlns="" id="{47D01DEA-D2EE-4A3A-8AE3-17EB4B7E570D}"/>
+                <a16:creationId xmlns:a16="http://schemas.microsoft.com/office/drawing/2014/main" id="{47D01DEA-D2EE-4A3A-8AE3-17EB4B7E570D}"/>
               </a:ext>
             </a:extLst>
           </p:cNvPr>
@@ -1954,7 +1954,7 @@
           <p:cNvPr id="3" name="Date Placeholder 2">
             <a:extLst>
               <a:ext uri="{FF2B5EF4-FFF2-40B4-BE49-F238E27FC236}">
-                <a16:creationId xmlns:a16="http://schemas.microsoft.com/office/drawing/2014/main" xmlns="" id="{E8987B5C-1BA0-41F7-B0B3-1DA923400AB2}"/>
+                <a16:creationId xmlns:a16="http://schemas.microsoft.com/office/drawing/2014/main" id="{E8987B5C-1BA0-41F7-B0B3-1DA923400AB2}"/>
               </a:ext>
             </a:extLst>
           </p:cNvPr>
@@ -1983,7 +1983,7 @@
           <p:cNvPr id="4" name="Footer Placeholder 3">
             <a:extLst>
               <a:ext uri="{FF2B5EF4-FFF2-40B4-BE49-F238E27FC236}">
-                <a16:creationId xmlns:a16="http://schemas.microsoft.com/office/drawing/2014/main" xmlns="" id="{A10D9D01-C46F-4C06-B06F-8E4EBA8EA094}"/>
+                <a16:creationId xmlns:a16="http://schemas.microsoft.com/office/drawing/2014/main" id="{A10D9D01-C46F-4C06-B06F-8E4EBA8EA094}"/>
               </a:ext>
             </a:extLst>
           </p:cNvPr>
@@ -2008,7 +2008,7 @@
           <p:cNvPr id="5" name="Slide Number Placeholder 4">
             <a:extLst>
               <a:ext uri="{FF2B5EF4-FFF2-40B4-BE49-F238E27FC236}">
-                <a16:creationId xmlns:a16="http://schemas.microsoft.com/office/drawing/2014/main" xmlns="" id="{40EDB7EE-8602-4FEC-8C4C-889B2D7C3A68}"/>
+                <a16:creationId xmlns:a16="http://schemas.microsoft.com/office/drawing/2014/main" id="{40EDB7EE-8602-4FEC-8C4C-889B2D7C3A68}"/>
               </a:ext>
             </a:extLst>
           </p:cNvPr>
@@ -2067,7 +2067,7 @@
           <p:cNvPr id="2" name="Date Placeholder 1">
             <a:extLst>
               <a:ext uri="{FF2B5EF4-FFF2-40B4-BE49-F238E27FC236}">
-                <a16:creationId xmlns:a16="http://schemas.microsoft.com/office/drawing/2014/main" xmlns="" id="{D1D7B75E-28DA-4F5A-AC0C-31C54AB25B58}"/>
+                <a16:creationId xmlns:a16="http://schemas.microsoft.com/office/drawing/2014/main" id="{D1D7B75E-28DA-4F5A-AC0C-31C54AB25B58}"/>
               </a:ext>
             </a:extLst>
           </p:cNvPr>
@@ -2096,7 +2096,7 @@
           <p:cNvPr id="3" name="Footer Placeholder 2">
             <a:extLst>
               <a:ext uri="{FF2B5EF4-FFF2-40B4-BE49-F238E27FC236}">
-                <a16:creationId xmlns:a16="http://schemas.microsoft.com/office/drawing/2014/main" xmlns="" id="{8B00C954-D83C-4EB4-8949-043B549540BC}"/>
+                <a16:creationId xmlns:a16="http://schemas.microsoft.com/office/drawing/2014/main" id="{8B00C954-D83C-4EB4-8949-043B549540BC}"/>
               </a:ext>
             </a:extLst>
           </p:cNvPr>
@@ -2121,7 +2121,7 @@
           <p:cNvPr id="4" name="Slide Number Placeholder 3">
             <a:extLst>
               <a:ext uri="{FF2B5EF4-FFF2-40B4-BE49-F238E27FC236}">
-                <a16:creationId xmlns:a16="http://schemas.microsoft.com/office/drawing/2014/main" xmlns="" id="{1F2474D7-51E7-4A69-A512-F540687D9FDF}"/>
+                <a16:creationId xmlns:a16="http://schemas.microsoft.com/office/drawing/2014/main" id="{1F2474D7-51E7-4A69-A512-F540687D9FDF}"/>
               </a:ext>
             </a:extLst>
           </p:cNvPr>
@@ -2180,7 +2180,7 @@
           <p:cNvPr id="2" name="Title 1">
             <a:extLst>
               <a:ext uri="{FF2B5EF4-FFF2-40B4-BE49-F238E27FC236}">
-                <a16:creationId xmlns:a16="http://schemas.microsoft.com/office/drawing/2014/main" xmlns="" id="{0651F23E-9799-40A7-89AF-483C4AF3DAC2}"/>
+                <a16:creationId xmlns:a16="http://schemas.microsoft.com/office/drawing/2014/main" id="{0651F23E-9799-40A7-89AF-483C4AF3DAC2}"/>
               </a:ext>
             </a:extLst>
           </p:cNvPr>
@@ -2218,7 +2218,7 @@
           <p:cNvPr id="3" name="Content Placeholder 2">
             <a:extLst>
               <a:ext uri="{FF2B5EF4-FFF2-40B4-BE49-F238E27FC236}">
-                <a16:creationId xmlns:a16="http://schemas.microsoft.com/office/drawing/2014/main" xmlns="" id="{1645D4E4-04D1-4A73-AC53-93CF162E0C66}"/>
+                <a16:creationId xmlns:a16="http://schemas.microsoft.com/office/drawing/2014/main" id="{1645D4E4-04D1-4A73-AC53-93CF162E0C66}"/>
               </a:ext>
             </a:extLst>
           </p:cNvPr>
@@ -2309,7 +2309,7 @@
           <p:cNvPr id="4" name="Text Placeholder 3">
             <a:extLst>
               <a:ext uri="{FF2B5EF4-FFF2-40B4-BE49-F238E27FC236}">
-                <a16:creationId xmlns:a16="http://schemas.microsoft.com/office/drawing/2014/main" xmlns="" id="{77F63583-45A4-48C4-9E3F-89E6A597984A}"/>
+                <a16:creationId xmlns:a16="http://schemas.microsoft.com/office/drawing/2014/main" id="{77F63583-45A4-48C4-9E3F-89E6A597984A}"/>
               </a:ext>
             </a:extLst>
           </p:cNvPr>
@@ -2380,7 +2380,7 @@
           <p:cNvPr id="5" name="Date Placeholder 4">
             <a:extLst>
               <a:ext uri="{FF2B5EF4-FFF2-40B4-BE49-F238E27FC236}">
-                <a16:creationId xmlns:a16="http://schemas.microsoft.com/office/drawing/2014/main" xmlns="" id="{EEC73C77-A66D-4226-9D55-32A30965E62D}"/>
+                <a16:creationId xmlns:a16="http://schemas.microsoft.com/office/drawing/2014/main" id="{EEC73C77-A66D-4226-9D55-32A30965E62D}"/>
               </a:ext>
             </a:extLst>
           </p:cNvPr>
@@ -2409,7 +2409,7 @@
           <p:cNvPr id="6" name="Footer Placeholder 5">
             <a:extLst>
               <a:ext uri="{FF2B5EF4-FFF2-40B4-BE49-F238E27FC236}">
-                <a16:creationId xmlns:a16="http://schemas.microsoft.com/office/drawing/2014/main" xmlns="" id="{AFD0537D-4F11-429F-801B-1653492AD8A9}"/>
+                <a16:creationId xmlns:a16="http://schemas.microsoft.com/office/drawing/2014/main" id="{AFD0537D-4F11-429F-801B-1653492AD8A9}"/>
               </a:ext>
             </a:extLst>
           </p:cNvPr>
@@ -2434,7 +2434,7 @@
           <p:cNvPr id="7" name="Slide Number Placeholder 6">
             <a:extLst>
               <a:ext uri="{FF2B5EF4-FFF2-40B4-BE49-F238E27FC236}">
-                <a16:creationId xmlns:a16="http://schemas.microsoft.com/office/drawing/2014/main" xmlns="" id="{0D835555-7AFC-4CC4-B174-AC050AE2AA8B}"/>
+                <a16:creationId xmlns:a16="http://schemas.microsoft.com/office/drawing/2014/main" id="{0D835555-7AFC-4CC4-B174-AC050AE2AA8B}"/>
               </a:ext>
             </a:extLst>
           </p:cNvPr>
@@ -2493,7 +2493,7 @@
           <p:cNvPr id="2" name="Title 1">
             <a:extLst>
               <a:ext uri="{FF2B5EF4-FFF2-40B4-BE49-F238E27FC236}">
-                <a16:creationId xmlns:a16="http://schemas.microsoft.com/office/drawing/2014/main" xmlns="" id="{35B1513A-90F0-46EC-BECD-C6BA9D70EBD0}"/>
+                <a16:creationId xmlns:a16="http://schemas.microsoft.com/office/drawing/2014/main" id="{35B1513A-90F0-46EC-BECD-C6BA9D70EBD0}"/>
               </a:ext>
             </a:extLst>
           </p:cNvPr>
@@ -2531,7 +2531,7 @@
           <p:cNvPr id="3" name="Picture Placeholder 2">
             <a:extLst>
               <a:ext uri="{FF2B5EF4-FFF2-40B4-BE49-F238E27FC236}">
-                <a16:creationId xmlns:a16="http://schemas.microsoft.com/office/drawing/2014/main" xmlns="" id="{6F7F86A5-BF20-4685-B81D-91AED9BFF475}"/>
+                <a16:creationId xmlns:a16="http://schemas.microsoft.com/office/drawing/2014/main" id="{6F7F86A5-BF20-4685-B81D-91AED9BFF475}"/>
               </a:ext>
             </a:extLst>
           </p:cNvPr>
@@ -2598,7 +2598,7 @@
           <p:cNvPr id="4" name="Text Placeholder 3">
             <a:extLst>
               <a:ext uri="{FF2B5EF4-FFF2-40B4-BE49-F238E27FC236}">
-                <a16:creationId xmlns:a16="http://schemas.microsoft.com/office/drawing/2014/main" xmlns="" id="{F4903BDE-0BB0-492D-AB92-80E0EAD077CA}"/>
+                <a16:creationId xmlns:a16="http://schemas.microsoft.com/office/drawing/2014/main" id="{F4903BDE-0BB0-492D-AB92-80E0EAD077CA}"/>
               </a:ext>
             </a:extLst>
           </p:cNvPr>
@@ -2669,7 +2669,7 @@
           <p:cNvPr id="5" name="Date Placeholder 4">
             <a:extLst>
               <a:ext uri="{FF2B5EF4-FFF2-40B4-BE49-F238E27FC236}">
-                <a16:creationId xmlns:a16="http://schemas.microsoft.com/office/drawing/2014/main" xmlns="" id="{65A173A4-BB2A-483B-81EA-2DA4888CEB5E}"/>
+                <a16:creationId xmlns:a16="http://schemas.microsoft.com/office/drawing/2014/main" id="{65A173A4-BB2A-483B-81EA-2DA4888CEB5E}"/>
               </a:ext>
             </a:extLst>
           </p:cNvPr>
@@ -2698,7 +2698,7 @@
           <p:cNvPr id="6" name="Footer Placeholder 5">
             <a:extLst>
               <a:ext uri="{FF2B5EF4-FFF2-40B4-BE49-F238E27FC236}">
-                <a16:creationId xmlns:a16="http://schemas.microsoft.com/office/drawing/2014/main" xmlns="" id="{67630E30-1004-48F7-ADEA-75C8491060AC}"/>
+                <a16:creationId xmlns:a16="http://schemas.microsoft.com/office/drawing/2014/main" id="{67630E30-1004-48F7-ADEA-75C8491060AC}"/>
               </a:ext>
             </a:extLst>
           </p:cNvPr>
@@ -2723,7 +2723,7 @@
           <p:cNvPr id="7" name="Slide Number Placeholder 6">
             <a:extLst>
               <a:ext uri="{FF2B5EF4-FFF2-40B4-BE49-F238E27FC236}">
-                <a16:creationId xmlns:a16="http://schemas.microsoft.com/office/drawing/2014/main" xmlns="" id="{70A1DA61-EE5D-498E-B338-4AA94BE99DCC}"/>
+                <a16:creationId xmlns:a16="http://schemas.microsoft.com/office/drawing/2014/main" id="{70A1DA61-EE5D-498E-B338-4AA94BE99DCC}"/>
               </a:ext>
             </a:extLst>
           </p:cNvPr>
@@ -2787,7 +2787,7 @@
           <p:cNvPr id="2" name="Title Placeholder 1">
             <a:extLst>
               <a:ext uri="{FF2B5EF4-FFF2-40B4-BE49-F238E27FC236}">
-                <a16:creationId xmlns:a16="http://schemas.microsoft.com/office/drawing/2014/main" xmlns="" id="{B6174625-5FCA-4F82-970A-7908DBBB41DA}"/>
+                <a16:creationId xmlns:a16="http://schemas.microsoft.com/office/drawing/2014/main" id="{B6174625-5FCA-4F82-970A-7908DBBB41DA}"/>
               </a:ext>
             </a:extLst>
           </p:cNvPr>
@@ -2826,7 +2826,7 @@
           <p:cNvPr id="3" name="Text Placeholder 2">
             <a:extLst>
               <a:ext uri="{FF2B5EF4-FFF2-40B4-BE49-F238E27FC236}">
-                <a16:creationId xmlns:a16="http://schemas.microsoft.com/office/drawing/2014/main" xmlns="" id="{004B04C6-44D2-46FC-A68B-97E9E9961478}"/>
+                <a16:creationId xmlns:a16="http://schemas.microsoft.com/office/drawing/2014/main" id="{004B04C6-44D2-46FC-A68B-97E9E9961478}"/>
               </a:ext>
             </a:extLst>
           </p:cNvPr>
@@ -2894,7 +2894,7 @@
           <p:cNvPr id="4" name="Date Placeholder 3">
             <a:extLst>
               <a:ext uri="{FF2B5EF4-FFF2-40B4-BE49-F238E27FC236}">
-                <a16:creationId xmlns:a16="http://schemas.microsoft.com/office/drawing/2014/main" xmlns="" id="{CAFE3B65-0C76-4E14-9644-C1EC3EC4381F}"/>
+                <a16:creationId xmlns:a16="http://schemas.microsoft.com/office/drawing/2014/main" id="{CAFE3B65-0C76-4E14-9644-C1EC3EC4381F}"/>
               </a:ext>
             </a:extLst>
           </p:cNvPr>
@@ -2941,7 +2941,7 @@
           <p:cNvPr id="5" name="Footer Placeholder 4">
             <a:extLst>
               <a:ext uri="{FF2B5EF4-FFF2-40B4-BE49-F238E27FC236}">
-                <a16:creationId xmlns:a16="http://schemas.microsoft.com/office/drawing/2014/main" xmlns="" id="{68AEA1E0-57C3-4A54-BF0E-91B961F6A829}"/>
+                <a16:creationId xmlns:a16="http://schemas.microsoft.com/office/drawing/2014/main" id="{68AEA1E0-57C3-4A54-BF0E-91B961F6A829}"/>
               </a:ext>
             </a:extLst>
           </p:cNvPr>
@@ -2984,7 +2984,7 @@
           <p:cNvPr id="6" name="Slide Number Placeholder 5">
             <a:extLst>
               <a:ext uri="{FF2B5EF4-FFF2-40B4-BE49-F238E27FC236}">
-                <a16:creationId xmlns:a16="http://schemas.microsoft.com/office/drawing/2014/main" xmlns="" id="{FCB4C136-F669-49DB-83F3-7ED4AE55F27E}"/>
+                <a16:creationId xmlns:a16="http://schemas.microsoft.com/office/drawing/2014/main" id="{FCB4C136-F669-49DB-83F3-7ED4AE55F27E}"/>
               </a:ext>
             </a:extLst>
           </p:cNvPr>
@@ -3352,7 +3352,7 @@
           <p:cNvPr id="9" name="TextBox 8">
             <a:extLst>
               <a:ext uri="{FF2B5EF4-FFF2-40B4-BE49-F238E27FC236}">
-                <a16:creationId xmlns:a16="http://schemas.microsoft.com/office/drawing/2014/main" xmlns="" id="{734669D8-3F54-4A43-97A0-4056E4440BB9}"/>
+                <a16:creationId xmlns:a16="http://schemas.microsoft.com/office/drawing/2014/main" id="{734669D8-3F54-4A43-97A0-4056E4440BB9}"/>
               </a:ext>
             </a:extLst>
           </p:cNvPr>
@@ -3402,18 +3402,11 @@
               <a:buChar char="-"/>
             </a:pPr>
             <a:r>
-              <a:rPr lang="en-US" sz="1000" dirty="0" smtClean="0">
-                <a:latin typeface="Times New Roman" panose="02020603050405020304" pitchFamily="18" charset="0"/>
-                <a:cs typeface="Times New Roman" panose="02020603050405020304" pitchFamily="18" charset="0"/>
-              </a:rPr>
-              <a:t>In </a:t>
-            </a:r>
-            <a:r>
               <a:rPr lang="en-US" sz="1000" dirty="0">
                 <a:latin typeface="Times New Roman" panose="02020603050405020304" pitchFamily="18" charset="0"/>
                 <a:cs typeface="Times New Roman" panose="02020603050405020304" pitchFamily="18" charset="0"/>
               </a:rPr>
-              <a:t>response, we design a novel optimization algorithm--called k-local greedy algorithm--to minimize the daily/weekly imbalance based on the prediction output. </a:t>
+              <a:t>In response, we design a novel optimization algorithm--called k-local greedy algorithm--to minimize the daily/weekly imbalance based on the prediction output. </a:t>
             </a:r>
           </a:p>
           <a:p>
@@ -3426,7 +3419,7 @@
                 <a:latin typeface="Times New Roman" panose="02020603050405020304" pitchFamily="18" charset="0"/>
                 <a:cs typeface="Times New Roman" panose="02020603050405020304" pitchFamily="18" charset="0"/>
               </a:rPr>
-              <a:t>Our goal of this project is to predict the future traffic trend of a certain region (e.g. Quebec) in terms of inbound freight and outbound freight.</a:t>
+              <a:t>Our goal of this project is to predict the future traffic trend of a certain region (e.g., Quebec) in terms of inbound freight and outbound freight.</a:t>
             </a:r>
           </a:p>
           <a:p>
@@ -3439,7 +3432,7 @@
           <p:cNvPr id="10" name="TextBox 9">
             <a:extLst>
               <a:ext uri="{FF2B5EF4-FFF2-40B4-BE49-F238E27FC236}">
-                <a16:creationId xmlns:a16="http://schemas.microsoft.com/office/drawing/2014/main" xmlns="" id="{ADEFD6FD-27F4-41D0-9384-D77E9AC0F71C}"/>
+                <a16:creationId xmlns:a16="http://schemas.microsoft.com/office/drawing/2014/main" id="{ADEFD6FD-27F4-41D0-9384-D77E9AC0F71C}"/>
               </a:ext>
             </a:extLst>
           </p:cNvPr>
@@ -3463,20 +3456,16 @@
           <a:lstStyle/>
           <a:p>
             <a:r>
-              <a:rPr lang="en-US" sz="1200" b="1" dirty="0" smtClean="0">
+              <a:rPr lang="en-US" sz="1200" b="1" dirty="0">
                 <a:latin typeface="Times New Roman" panose="02020603050405020304" pitchFamily="18" charset="0"/>
                 <a:cs typeface="Times New Roman" panose="02020603050405020304" pitchFamily="18" charset="0"/>
               </a:rPr>
               <a:t>Methodology </a:t>
             </a:r>
-            <a:endParaRPr lang="en-US" sz="1200" b="1" dirty="0">
-              <a:latin typeface="Times New Roman" panose="02020603050405020304" pitchFamily="18" charset="0"/>
-              <a:cs typeface="Times New Roman" panose="02020603050405020304" pitchFamily="18" charset="0"/>
-            </a:endParaRPr>
-          </a:p>
-          <a:p>
-            <a:r>
-              <a:rPr lang="en-US" sz="1000" dirty="0" smtClean="0">
+          </a:p>
+          <a:p>
+            <a:r>
+              <a:rPr lang="en-US" sz="1000" dirty="0">
                 <a:latin typeface="Times New Roman" panose="02020603050405020304" pitchFamily="18" charset="0"/>
                 <a:cs typeface="Times New Roman" panose="02020603050405020304" pitchFamily="18" charset="0"/>
               </a:rPr>
@@ -3489,7 +3478,7 @@
               <a:buChar char="-"/>
             </a:pPr>
             <a:r>
-              <a:rPr lang="en-US" sz="1000" dirty="0" smtClean="0">
+              <a:rPr lang="en-US" sz="1000" dirty="0">
                 <a:latin typeface="Times New Roman" panose="02020603050405020304" pitchFamily="18" charset="0"/>
                 <a:cs typeface="Times New Roman" panose="02020603050405020304" pitchFamily="18" charset="0"/>
               </a:rPr>
@@ -3502,7 +3491,7 @@
               <a:buChar char="-"/>
             </a:pPr>
             <a:r>
-              <a:rPr lang="en-US" sz="1000" dirty="0" smtClean="0">
+              <a:rPr lang="en-US" sz="1000" dirty="0">
                 <a:latin typeface="Times New Roman" panose="02020603050405020304" pitchFamily="18" charset="0"/>
                 <a:cs typeface="Times New Roman" panose="02020603050405020304" pitchFamily="18" charset="0"/>
               </a:rPr>
@@ -3515,7 +3504,7 @@
               <a:buChar char="•"/>
             </a:pPr>
             <a:r>
-              <a:rPr lang="en-US" sz="1000" dirty="0" smtClean="0">
+              <a:rPr lang="en-US" sz="1000" dirty="0">
                 <a:latin typeface="Times New Roman" panose="02020603050405020304" pitchFamily="18" charset="0"/>
                 <a:cs typeface="Times New Roman" panose="02020603050405020304" pitchFamily="18" charset="0"/>
               </a:rPr>
@@ -3528,7 +3517,7 @@
               <a:buChar char="•"/>
             </a:pPr>
             <a:r>
-              <a:rPr lang="en-US" sz="1000" dirty="0" smtClean="0">
+              <a:rPr lang="en-US" sz="1000" dirty="0">
                 <a:latin typeface="Times New Roman" panose="02020603050405020304" pitchFamily="18" charset="0"/>
                 <a:cs typeface="Times New Roman" panose="02020603050405020304" pitchFamily="18" charset="0"/>
               </a:rPr>
@@ -3541,21 +3530,21 @@
               <a:buChar char="•"/>
             </a:pPr>
             <a:r>
-              <a:rPr lang="en-US" sz="1000" dirty="0" smtClean="0">
+              <a:rPr lang="en-US" sz="1000" dirty="0">
                 <a:latin typeface="Times New Roman" panose="02020603050405020304" pitchFamily="18" charset="0"/>
                 <a:cs typeface="Times New Roman" panose="02020603050405020304" pitchFamily="18" charset="0"/>
               </a:rPr>
               <a:t>Dropout 0.2 </a:t>
             </a:r>
             <a:r>
-              <a:rPr lang="en-US" sz="1000" dirty="0" err="1" smtClean="0">
+              <a:rPr lang="en-US" sz="1000" dirty="0" err="1">
                 <a:latin typeface="Times New Roman" panose="02020603050405020304" pitchFamily="18" charset="0"/>
                 <a:cs typeface="Times New Roman" panose="02020603050405020304" pitchFamily="18" charset="0"/>
               </a:rPr>
               <a:t>regularisation</a:t>
             </a:r>
             <a:r>
-              <a:rPr lang="en-US" sz="1000" dirty="0" smtClean="0">
+              <a:rPr lang="en-US" sz="1000" dirty="0">
                 <a:latin typeface="Times New Roman" panose="02020603050405020304" pitchFamily="18" charset="0"/>
                 <a:cs typeface="Times New Roman" panose="02020603050405020304" pitchFamily="18" charset="0"/>
               </a:rPr>
@@ -3568,7 +3557,7 @@
               <a:buChar char="•"/>
             </a:pPr>
             <a:r>
-              <a:rPr lang="en-US" sz="1000" dirty="0" smtClean="0">
+              <a:rPr lang="en-US" sz="1000" dirty="0">
                 <a:latin typeface="Times New Roman" panose="02020603050405020304" pitchFamily="18" charset="0"/>
                 <a:cs typeface="Times New Roman" panose="02020603050405020304" pitchFamily="18" charset="0"/>
               </a:rPr>
@@ -3587,7 +3576,7 @@
           </a:p>
           <a:p>
             <a:r>
-              <a:rPr lang="en-US" sz="1000" dirty="0" smtClean="0">
+              <a:rPr lang="en-US" sz="1000" dirty="0">
                 <a:latin typeface="Times New Roman" panose="02020603050405020304" pitchFamily="18" charset="0"/>
                 <a:cs typeface="Times New Roman" panose="02020603050405020304" pitchFamily="18" charset="0"/>
               </a:rPr>
@@ -3601,7 +3590,7 @@
           <p:cNvPr id="12" name="TextBox 11">
             <a:extLst>
               <a:ext uri="{FF2B5EF4-FFF2-40B4-BE49-F238E27FC236}">
-                <a16:creationId xmlns:a16="http://schemas.microsoft.com/office/drawing/2014/main" xmlns="" id="{328F1A96-175B-4D6C-8984-F71F2894BE0D}"/>
+                <a16:creationId xmlns:a16="http://schemas.microsoft.com/office/drawing/2014/main" id="{328F1A96-175B-4D6C-8984-F71F2894BE0D}"/>
               </a:ext>
             </a:extLst>
           </p:cNvPr>
@@ -3629,19 +3618,8 @@
                 <a:latin typeface="Times New Roman" panose="02020603050405020304" pitchFamily="18" charset="0"/>
                 <a:cs typeface="Times New Roman" panose="02020603050405020304" pitchFamily="18" charset="0"/>
               </a:rPr>
-              <a:t>2. Optimization algorithm </a:t>
-            </a:r>
-            <a:r>
-              <a:rPr lang="en-US" sz="1000" dirty="0" smtClean="0">
-                <a:latin typeface="Times New Roman" panose="02020603050405020304" pitchFamily="18" charset="0"/>
-                <a:cs typeface="Times New Roman" panose="02020603050405020304" pitchFamily="18" charset="0"/>
-              </a:rPr>
-              <a:t>(k-local algorithm)</a:t>
-            </a:r>
-            <a:endParaRPr lang="en-US" sz="1000" dirty="0">
-              <a:latin typeface="Times New Roman" panose="02020603050405020304" pitchFamily="18" charset="0"/>
-              <a:cs typeface="Times New Roman" panose="02020603050405020304" pitchFamily="18" charset="0"/>
-            </a:endParaRPr>
+              <a:t>2. Optimization algorithm (k-local algorithm)</a:t>
+            </a:r>
           </a:p>
           <a:p>
             <a:r>
@@ -3649,14 +3627,7 @@
                 <a:latin typeface="Times New Roman" panose="02020603050405020304" pitchFamily="18" charset="0"/>
                 <a:cs typeface="Times New Roman" panose="02020603050405020304" pitchFamily="18" charset="0"/>
               </a:rPr>
-              <a:t>We propose a method to improve the balance level of the current schedule. The idea being, “given a number k, the algorithm will go through every group of k consecutive days in the schedule and try to even out the imbalances of each and every day”, hence the name k-local greedy </a:t>
-            </a:r>
-            <a:r>
-              <a:rPr lang="en-US" sz="1000" dirty="0" smtClean="0">
-                <a:latin typeface="Times New Roman" panose="02020603050405020304" pitchFamily="18" charset="0"/>
-                <a:cs typeface="Times New Roman" panose="02020603050405020304" pitchFamily="18" charset="0"/>
-              </a:rPr>
-              <a:t>algorithm.</a:t>
+              <a:t>We propose a method to improve the balance level of the current schedule. The idea being, “given a number k, the algorithm will go through every group of k consecutive days in the schedule and try to even out the imbalances of each and every day”, hence the name k-local greedy algorithm.</a:t>
             </a:r>
             <a:endParaRPr lang="en-CA" sz="1000" dirty="0">
               <a:latin typeface="Times New Roman" panose="02020603050405020304" pitchFamily="18" charset="0"/>
@@ -3670,7 +3641,7 @@
           <p:cNvPr id="15" name="Picture 14">
             <a:extLst>
               <a:ext uri="{FF2B5EF4-FFF2-40B4-BE49-F238E27FC236}">
-                <a16:creationId xmlns:a16="http://schemas.microsoft.com/office/drawing/2014/main" xmlns="" id="{A3731195-F500-43B8-A81C-83F54C273106}"/>
+                <a16:creationId xmlns:a16="http://schemas.microsoft.com/office/drawing/2014/main" id="{A3731195-F500-43B8-A81C-83F54C273106}"/>
               </a:ext>
             </a:extLst>
           </p:cNvPr>
@@ -3687,7 +3658,7 @@
         </p:blipFill>
         <p:spPr>
           <a:xfrm>
-            <a:off x="3205411" y="4500438"/>
+            <a:off x="3143106" y="4129168"/>
             <a:ext cx="3521531" cy="2182483"/>
           </a:xfrm>
           <a:prstGeom prst="rect">
@@ -3700,7 +3671,7 @@
           <p:cNvPr id="17" name="Picture 16">
             <a:extLst>
               <a:ext uri="{FF2B5EF4-FFF2-40B4-BE49-F238E27FC236}">
-                <a16:creationId xmlns:a16="http://schemas.microsoft.com/office/drawing/2014/main" xmlns="" id="{197EA2B2-B8E7-468D-909E-0F0751CB299D}"/>
+                <a16:creationId xmlns:a16="http://schemas.microsoft.com/office/drawing/2014/main" id="{197EA2B2-B8E7-468D-909E-0F0751CB299D}"/>
               </a:ext>
             </a:extLst>
           </p:cNvPr>
@@ -3730,7 +3701,7 @@
           <p:cNvPr id="19" name="Picture 18">
             <a:extLst>
               <a:ext uri="{FF2B5EF4-FFF2-40B4-BE49-F238E27FC236}">
-                <a16:creationId xmlns:a16="http://schemas.microsoft.com/office/drawing/2014/main" xmlns="" id="{420015C2-8F23-4518-95F0-A8006930B8EE}"/>
+                <a16:creationId xmlns:a16="http://schemas.microsoft.com/office/drawing/2014/main" id="{420015C2-8F23-4518-95F0-A8006930B8EE}"/>
               </a:ext>
             </a:extLst>
           </p:cNvPr>
@@ -3760,7 +3731,7 @@
           <p:cNvPr id="24" name="Rectangle 23">
             <a:extLst>
               <a:ext uri="{FF2B5EF4-FFF2-40B4-BE49-F238E27FC236}">
-                <a16:creationId xmlns:a16="http://schemas.microsoft.com/office/drawing/2014/main" xmlns="" id="{11A3F80C-89B5-4799-AA9F-375F8A2E6D74}"/>
+                <a16:creationId xmlns:a16="http://schemas.microsoft.com/office/drawing/2014/main" id="{11A3F80C-89B5-4799-AA9F-375F8A2E6D74}"/>
               </a:ext>
             </a:extLst>
           </p:cNvPr>
@@ -3770,7 +3741,7 @@
         <p:spPr>
           <a:xfrm>
             <a:off x="6907494" y="103367"/>
-            <a:ext cx="5149657" cy="4632535"/>
+            <a:ext cx="5149657" cy="4690575"/>
           </a:xfrm>
           <a:prstGeom prst="rect">
             <a:avLst/>
@@ -3810,7 +3781,7 @@
           <p:cNvPr id="23" name="Rectangle 22">
             <a:extLst>
               <a:ext uri="{FF2B5EF4-FFF2-40B4-BE49-F238E27FC236}">
-                <a16:creationId xmlns:a16="http://schemas.microsoft.com/office/drawing/2014/main" xmlns="" id="{5ACA7E9A-4D27-4487-801A-7E6CB71B30BA}"/>
+                <a16:creationId xmlns:a16="http://schemas.microsoft.com/office/drawing/2014/main" id="{5ACA7E9A-4D27-4487-801A-7E6CB71B30BA}"/>
               </a:ext>
             </a:extLst>
           </p:cNvPr>
@@ -3860,7 +3831,7 @@
           <p:cNvPr id="4" name="Rectangle 3">
             <a:extLst>
               <a:ext uri="{FF2B5EF4-FFF2-40B4-BE49-F238E27FC236}">
-                <a16:creationId xmlns:a16="http://schemas.microsoft.com/office/drawing/2014/main" xmlns="" id="{BF1C4B97-2631-4D34-B6EC-36B5862D3ADC}"/>
+                <a16:creationId xmlns:a16="http://schemas.microsoft.com/office/drawing/2014/main" id="{BF1C4B97-2631-4D34-B6EC-36B5862D3ADC}"/>
               </a:ext>
             </a:extLst>
           </p:cNvPr>
@@ -3910,7 +3881,7 @@
           <p:cNvPr id="25" name="Rectangle 24">
             <a:extLst>
               <a:ext uri="{FF2B5EF4-FFF2-40B4-BE49-F238E27FC236}">
-                <a16:creationId xmlns:a16="http://schemas.microsoft.com/office/drawing/2014/main" xmlns="" id="{17EBAD67-8D9A-4D2B-9452-817E0C3F3595}"/>
+                <a16:creationId xmlns:a16="http://schemas.microsoft.com/office/drawing/2014/main" id="{17EBAD67-8D9A-4D2B-9452-817E0C3F3595}"/>
               </a:ext>
             </a:extLst>
           </p:cNvPr>
@@ -3960,7 +3931,7 @@
           <p:cNvPr id="26" name="Rectangle 25">
             <a:extLst>
               <a:ext uri="{FF2B5EF4-FFF2-40B4-BE49-F238E27FC236}">
-                <a16:creationId xmlns:a16="http://schemas.microsoft.com/office/drawing/2014/main" xmlns="" id="{4906DF9A-6F17-48B3-B948-2BE78FCFFAE9}"/>
+                <a16:creationId xmlns:a16="http://schemas.microsoft.com/office/drawing/2014/main" id="{4906DF9A-6F17-48B3-B948-2BE78FCFFAE9}"/>
               </a:ext>
             </a:extLst>
           </p:cNvPr>
@@ -4010,7 +3981,7 @@
           <p:cNvPr id="27" name="Rectangle 26">
             <a:extLst>
               <a:ext uri="{FF2B5EF4-FFF2-40B4-BE49-F238E27FC236}">
-                <a16:creationId xmlns:a16="http://schemas.microsoft.com/office/drawing/2014/main" xmlns="" id="{F7F1CE8C-85DD-405F-8F8E-CA6B357B4FEF}"/>
+                <a16:creationId xmlns:a16="http://schemas.microsoft.com/office/drawing/2014/main" id="{F7F1CE8C-85DD-405F-8F8E-CA6B357B4FEF}"/>
               </a:ext>
             </a:extLst>
           </p:cNvPr>
@@ -4019,8 +3990,8 @@
         </p:nvSpPr>
         <p:spPr>
           <a:xfrm>
-            <a:off x="6920249" y="4804912"/>
-            <a:ext cx="5136903" cy="1937791"/>
+            <a:off x="6920249" y="4953740"/>
+            <a:ext cx="5136903" cy="1788963"/>
           </a:xfrm>
           <a:prstGeom prst="rect">
             <a:avLst/>
@@ -4060,7 +4031,7 @@
           <p:cNvPr id="28" name="TextBox 27">
             <a:extLst>
               <a:ext uri="{FF2B5EF4-FFF2-40B4-BE49-F238E27FC236}">
-                <a16:creationId xmlns:a16="http://schemas.microsoft.com/office/drawing/2014/main" xmlns="" id="{E57E9C12-EC9B-4A0B-8858-2B8F55FE91FF}"/>
+                <a16:creationId xmlns:a16="http://schemas.microsoft.com/office/drawing/2014/main" id="{E57E9C12-EC9B-4A0B-8858-2B8F55FE91FF}"/>
               </a:ext>
             </a:extLst>
           </p:cNvPr>
@@ -4091,44 +4062,19 @@
               </a:rPr>
               <a:t>NEXUS CHALLENGE 2021 ADDRESSING NETWORK IMBALANCES REPORT </a:t>
             </a:r>
-            <a:endParaRPr lang="en-US" sz="1400" b="1" dirty="0" smtClean="0">
-              <a:latin typeface="Times New Roman" panose="02020603050405020304" pitchFamily="18" charset="0"/>
-              <a:cs typeface="Times New Roman" panose="02020603050405020304" pitchFamily="18" charset="0"/>
-            </a:endParaRPr>
           </a:p>
           <a:p>
             <a:pPr algn="ctr"/>
-            <a:endParaRPr lang="en-US" sz="1200" dirty="0" smtClean="0"/>
+            <a:endParaRPr lang="en-US" sz="1200" dirty="0"/>
           </a:p>
           <a:p>
             <a:pPr algn="ctr"/>
-            <a:r>
-              <a:rPr lang="en-US" sz="1200" dirty="0" smtClean="0">
-                <a:latin typeface="Times New Roman" panose="02020603050405020304" pitchFamily="18" charset="0"/>
-                <a:cs typeface="Times New Roman" panose="02020603050405020304" pitchFamily="18" charset="0"/>
-              </a:rPr>
-              <a:t>Qi </a:t>
-            </a:r>
             <a:r>
               <a:rPr lang="en-US" sz="1200" dirty="0">
                 <a:latin typeface="Times New Roman" panose="02020603050405020304" pitchFamily="18" charset="0"/>
                 <a:cs typeface="Times New Roman" panose="02020603050405020304" pitchFamily="18" charset="0"/>
               </a:rPr>
-              <a:t>Wen, Jason Tran, Daniel Mai Department of Computer Science University of </a:t>
-            </a:r>
-            <a:r>
-              <a:rPr lang="en-US" sz="1200" dirty="0" smtClean="0">
-                <a:latin typeface="Times New Roman" panose="02020603050405020304" pitchFamily="18" charset="0"/>
-                <a:cs typeface="Times New Roman" panose="02020603050405020304" pitchFamily="18" charset="0"/>
-              </a:rPr>
-              <a:t>Manitoba, </a:t>
-            </a:r>
-            <a:r>
-              <a:rPr lang="en-US" sz="1200" dirty="0">
-                <a:latin typeface="Times New Roman" panose="02020603050405020304" pitchFamily="18" charset="0"/>
-                <a:cs typeface="Times New Roman" panose="02020603050405020304" pitchFamily="18" charset="0"/>
-              </a:rPr>
-              <a:t>Winnipeg, Canada</a:t>
+              <a:t>Qi Wen, Jason Tran, Daniel Mai Department of Computer Science University of Manitoba, Winnipeg, Canada</a:t>
             </a:r>
           </a:p>
         </p:txBody>
@@ -4138,7 +4084,7 @@
           <p:cNvPr id="29" name="TextBox 28">
             <a:extLst>
               <a:ext uri="{FF2B5EF4-FFF2-40B4-BE49-F238E27FC236}">
-                <a16:creationId xmlns:a16="http://schemas.microsoft.com/office/drawing/2014/main" xmlns="" id="{0AD2710C-75C6-477E-97B7-CBD20683FCF0}"/>
+                <a16:creationId xmlns:a16="http://schemas.microsoft.com/office/drawing/2014/main" id="{0AD2710C-75C6-477E-97B7-CBD20683FCF0}"/>
               </a:ext>
             </a:extLst>
           </p:cNvPr>
@@ -4148,7 +4094,7 @@
         <p:spPr>
           <a:xfrm>
             <a:off x="3289131" y="3728488"/>
-            <a:ext cx="3388027" cy="430887"/>
+            <a:ext cx="3388027" cy="276999"/>
           </a:xfrm>
           <a:prstGeom prst="rect">
             <a:avLst/>
@@ -4162,38 +4108,11 @@
           <a:lstStyle/>
           <a:p>
             <a:r>
-              <a:rPr lang="en-US" sz="1200" b="1" dirty="0" smtClean="0">
+              <a:rPr lang="en-US" sz="1200" b="1" dirty="0">
                 <a:latin typeface="Times New Roman" panose="02020603050405020304" pitchFamily="18" charset="0"/>
                 <a:cs typeface="Times New Roman" panose="02020603050405020304" pitchFamily="18" charset="0"/>
               </a:rPr>
-              <a:t>Result:</a:t>
-            </a:r>
-          </a:p>
-          <a:p>
-            <a:pPr marL="171450" indent="-171450">
-              <a:buFontTx/>
-              <a:buChar char="-"/>
-            </a:pPr>
-            <a:r>
-              <a:rPr lang="en-US" sz="1000" dirty="0" smtClean="0">
-                <a:latin typeface="Times New Roman" panose="02020603050405020304" pitchFamily="18" charset="0"/>
-                <a:cs typeface="Times New Roman" panose="02020603050405020304" pitchFamily="18" charset="0"/>
-              </a:rPr>
-              <a:t>Our prediction accuracy is roughly 96%</a:t>
-            </a:r>
-            <a:r>
-              <a:rPr lang="en-US" sz="1000" dirty="0">
-                <a:latin typeface="Times New Roman" panose="02020603050405020304" pitchFamily="18" charset="0"/>
-                <a:cs typeface="Times New Roman" panose="02020603050405020304" pitchFamily="18" charset="0"/>
-              </a:rPr>
-              <a:t> </a:t>
-            </a:r>
-            <a:r>
-              <a:rPr lang="en-US" sz="1000" dirty="0" smtClean="0">
-                <a:latin typeface="Times New Roman" panose="02020603050405020304" pitchFamily="18" charset="0"/>
-                <a:cs typeface="Times New Roman" panose="02020603050405020304" pitchFamily="18" charset="0"/>
-              </a:rPr>
-              <a:t>when N = 10.</a:t>
+              <a:t>Prediction:</a:t>
             </a:r>
           </a:p>
         </p:txBody>
@@ -4203,7 +4122,7 @@
           <p:cNvPr id="32" name="TextBox 31">
             <a:extLst>
               <a:ext uri="{FF2B5EF4-FFF2-40B4-BE49-F238E27FC236}">
-                <a16:creationId xmlns:a16="http://schemas.microsoft.com/office/drawing/2014/main" xmlns="" id="{262415D5-20D7-4CE8-8199-A6DA2979924C}"/>
+                <a16:creationId xmlns:a16="http://schemas.microsoft.com/office/drawing/2014/main" id="{262415D5-20D7-4CE8-8199-A6DA2979924C}"/>
               </a:ext>
             </a:extLst>
           </p:cNvPr>
@@ -4212,7 +4131,7 @@
         </p:nvSpPr>
         <p:spPr>
           <a:xfrm>
-            <a:off x="6982554" y="4804912"/>
+            <a:off x="7026942" y="5012660"/>
             <a:ext cx="2892114" cy="415498"/>
           </a:xfrm>
           <a:prstGeom prst="rect">
@@ -4227,19 +4146,156 @@
           <a:lstStyle/>
           <a:p>
             <a:r>
-              <a:rPr lang="en-CA" sz="1200" b="1" dirty="0" smtClean="0">
+              <a:rPr lang="en-CA" sz="1200" b="1" dirty="0">
                 <a:latin typeface="Times New Roman" panose="02020603050405020304" pitchFamily="18" charset="0"/>
                 <a:cs typeface="Times New Roman" panose="02020603050405020304" pitchFamily="18" charset="0"/>
               </a:rPr>
-              <a:t>Conclusions </a:t>
-            </a:r>
-            <a:endParaRPr lang="en-CA" sz="1200" b="1" dirty="0">
+              <a:t>Conclusions(answer and future work) </a:t>
+            </a:r>
+          </a:p>
+          <a:p>
+            <a:endParaRPr lang="en-US" sz="900" dirty="0"/>
+          </a:p>
+        </p:txBody>
+      </p:sp>
+      <p:sp>
+        <p:nvSpPr>
+          <p:cNvPr id="18" name="TextBox 17">
+            <a:extLst>
+              <a:ext uri="{FF2B5EF4-FFF2-40B4-BE49-F238E27FC236}">
+                <a16:creationId xmlns:a16="http://schemas.microsoft.com/office/drawing/2014/main" id="{CC0B3B06-16DA-4BBC-BE63-5E39AF3003BC}"/>
+              </a:ext>
+            </a:extLst>
+          </p:cNvPr>
+          <p:cNvSpPr txBox="1"/>
+          <p:nvPr/>
+        </p:nvSpPr>
+        <p:spPr>
+          <a:xfrm>
+            <a:off x="3230687" y="1680107"/>
+            <a:ext cx="3036947" cy="2092881"/>
+          </a:xfrm>
+          <a:prstGeom prst="rect">
+            <a:avLst/>
+          </a:prstGeom>
+          <a:noFill/>
+        </p:spPr>
+        <p:txBody>
+          <a:bodyPr wrap="square" rtlCol="0">
+            <a:spAutoFit/>
+          </a:bodyPr>
+          <a:lstStyle/>
+          <a:p>
+            <a:r>
+              <a:rPr lang="en-US" sz="1000" dirty="0">
+                <a:latin typeface="Times New Roman" panose="02020603050405020304" pitchFamily="18" charset="0"/>
+                <a:cs typeface="Times New Roman" panose="02020603050405020304" pitchFamily="18" charset="0"/>
+              </a:rPr>
+              <a:t>3. Evaluation and Visualization</a:t>
+            </a:r>
+          </a:p>
+          <a:p>
+            <a:pPr marL="171450" indent="-171450">
+              <a:buFontTx/>
+              <a:buChar char="-"/>
+            </a:pPr>
+            <a:r>
+              <a:rPr lang="en-US" sz="1000" dirty="0">
+                <a:latin typeface="Times New Roman" panose="02020603050405020304" pitchFamily="18" charset="0"/>
+                <a:cs typeface="Times New Roman" panose="02020603050405020304" pitchFamily="18" charset="0"/>
+              </a:rPr>
+              <a:t>We separate 768 days of records to 70% of training (538 days) and 30% of testing (230 days)</a:t>
+            </a:r>
+          </a:p>
+          <a:p>
+            <a:pPr marL="171450" indent="-171450">
+              <a:buFontTx/>
+              <a:buChar char="-"/>
+            </a:pPr>
+            <a:r>
+              <a:rPr lang="en-US" sz="1000" dirty="0">
+                <a:latin typeface="Times New Roman" panose="02020603050405020304" pitchFamily="18" charset="0"/>
+                <a:cs typeface="Times New Roman" panose="02020603050405020304" pitchFamily="18" charset="0"/>
+              </a:rPr>
+              <a:t>We define three main cases/trends for cumulative imbalance level (CIL): big growth, big reduction, stable</a:t>
+            </a:r>
+          </a:p>
+          <a:p>
+            <a:pPr marL="171450" indent="-171450">
+              <a:buFontTx/>
+              <a:buChar char="-"/>
+            </a:pPr>
+            <a:r>
+              <a:rPr lang="en-US" sz="1000" dirty="0">
+                <a:latin typeface="Times New Roman" panose="02020603050405020304" pitchFamily="18" charset="0"/>
+                <a:cs typeface="Times New Roman" panose="02020603050405020304" pitchFamily="18" charset="0"/>
+              </a:rPr>
+              <a:t>The goal of the prediction is whether we can detect all the cases/trends accurately. Our prediction accuracy is roughly 96% when N = 10, 82% when N= 5.</a:t>
+            </a:r>
+          </a:p>
+          <a:p>
+            <a:pPr marL="171450" indent="-171450">
+              <a:buFontTx/>
+              <a:buChar char="-"/>
+            </a:pPr>
+            <a:endParaRPr lang="en-US" sz="1000" dirty="0">
               <a:latin typeface="Times New Roman" panose="02020603050405020304" pitchFamily="18" charset="0"/>
               <a:cs typeface="Times New Roman" panose="02020603050405020304" pitchFamily="18" charset="0"/>
             </a:endParaRPr>
           </a:p>
           <a:p>
-            <a:endParaRPr lang="en-US" sz="900" dirty="0"/>
+            <a:pPr marL="171450" indent="-171450">
+              <a:buFontTx/>
+              <a:buChar char="-"/>
+            </a:pPr>
+            <a:endParaRPr lang="en-US" sz="1000" dirty="0">
+              <a:latin typeface="Times New Roman" panose="02020603050405020304" pitchFamily="18" charset="0"/>
+              <a:cs typeface="Times New Roman" panose="02020603050405020304" pitchFamily="18" charset="0"/>
+            </a:endParaRPr>
+          </a:p>
+          <a:p>
+            <a:endParaRPr lang="en-CA" sz="1000" dirty="0">
+              <a:latin typeface="Times New Roman" panose="02020603050405020304" pitchFamily="18" charset="0"/>
+              <a:cs typeface="Times New Roman" panose="02020603050405020304" pitchFamily="18" charset="0"/>
+            </a:endParaRPr>
+          </a:p>
+        </p:txBody>
+      </p:sp>
+      <p:sp>
+        <p:nvSpPr>
+          <p:cNvPr id="20" name="TextBox 19">
+            <a:extLst>
+              <a:ext uri="{FF2B5EF4-FFF2-40B4-BE49-F238E27FC236}">
+                <a16:creationId xmlns:a16="http://schemas.microsoft.com/office/drawing/2014/main" id="{81FB46CD-A0AF-40B6-82AE-9387E2A23CCE}"/>
+              </a:ext>
+            </a:extLst>
+          </p:cNvPr>
+          <p:cNvSpPr txBox="1"/>
+          <p:nvPr/>
+        </p:nvSpPr>
+        <p:spPr>
+          <a:xfrm>
+            <a:off x="6910714" y="182192"/>
+            <a:ext cx="3388027" cy="276999"/>
+          </a:xfrm>
+          <a:prstGeom prst="rect">
+            <a:avLst/>
+          </a:prstGeom>
+          <a:noFill/>
+        </p:spPr>
+        <p:txBody>
+          <a:bodyPr wrap="square" rtlCol="0">
+            <a:spAutoFit/>
+          </a:bodyPr>
+          <a:lstStyle/>
+          <a:p>
+            <a:r>
+              <a:rPr lang="en-US" sz="1200" b="1" dirty="0">
+                <a:latin typeface="Times New Roman" panose="02020603050405020304" pitchFamily="18" charset="0"/>
+                <a:cs typeface="Times New Roman" panose="02020603050405020304" pitchFamily="18" charset="0"/>
+              </a:rPr>
+              <a:t>Optimization:</a:t>
+            </a:r>
           </a:p>
         </p:txBody>
       </p:sp>
